--- a/pt_BR/templates/newfile.pptx
+++ b/pt_BR/templates/newfile.pptx
@@ -4,11 +4,14 @@
   <p:sldMasterIdLst>
     <p:sldMasterId id="2147483648" r:id="rId1"/>
   </p:sldMasterIdLst>
-  <p:sldSz cx="9144000" cy="6858000" type="screen4x3"/>
+  <p:sldIdLst>
+    <p:sldId id="256" r:id="rId2"/>
+  </p:sldIdLst>
+  <p:sldSz cx="12192000" cy="6858000"/>
   <p:notesSz cx="6858000" cy="9144000"/>
   <p:defaultTextStyle>
     <a:defPPr>
-      <a:defRPr lang="zh-CN"/>
+      <a:defRPr lang="pt-BR"/>
     </a:defPPr>
     <a:lvl1pPr marL="0" algn="l" defTabSz="914400" rtl="0" eaLnBrk="1" latinLnBrk="0" hangingPunct="1">
       <a:defRPr sz="1800" kern="1200">
@@ -106,7 +109,7 @@
 
 <file path=ppt/slideLayouts/slideLayout1.xml><?xml version="1.0" encoding="utf-8"?>
 <p:sldLayout xmlns:a="http://schemas.openxmlformats.org/drawingml/2006/main" xmlns:r="http://schemas.openxmlformats.org/officeDocument/2006/relationships" xmlns:p="http://schemas.openxmlformats.org/presentationml/2006/main" type="title" preserve="1">
-  <p:cSld name="标题幻灯片">
+  <p:cSld name="Slide de Título">
     <p:spTree>
       <p:nvGrpSpPr>
         <p:cNvPr id="1" name=""/>
@@ -123,7 +126,7 @@
       </p:grpSpPr>
       <p:sp>
         <p:nvSpPr>
-          <p:cNvPr id="2" name="标题 1"/>
+          <p:cNvPr id="2" name="Título 1"/>
           <p:cNvSpPr>
             <a:spLocks noGrp="1"/>
           </p:cNvSpPr>
@@ -133,25 +136,29 @@
         </p:nvSpPr>
         <p:spPr>
           <a:xfrm>
-            <a:off x="685800" y="2130425"/>
-            <a:ext cx="7772400" cy="1470025"/>
+            <a:off x="1524000" y="1122363"/>
+            <a:ext cx="9144000" cy="2387600"/>
           </a:xfrm>
         </p:spPr>
         <p:txBody>
-          <a:bodyPr/>
-          <a:lstStyle/>
-          <a:p>
-            <a:r>
-              <a:rPr lang="zh-CN" altLang="en-US" smtClean="0"/>
-              <a:t>单击此处编辑母版标题样式</a:t>
-            </a:r>
-            <a:endParaRPr lang="zh-CN" altLang="en-US"/>
-          </a:p>
-        </p:txBody>
-      </p:sp>
-      <p:sp>
-        <p:nvSpPr>
-          <p:cNvPr id="3" name="副标题 2"/>
+          <a:bodyPr anchor="b"/>
+          <a:lstStyle>
+            <a:lvl1pPr algn="ctr">
+              <a:defRPr sz="6000"/>
+            </a:lvl1pPr>
+          </a:lstStyle>
+          <a:p>
+            <a:r>
+              <a:rPr lang="pt-BR" smtClean="0"/>
+              <a:t>Clique para editar o título mestre</a:t>
+            </a:r>
+            <a:endParaRPr lang="pt-BR"/>
+          </a:p>
+        </p:txBody>
+      </p:sp>
+      <p:sp>
+        <p:nvSpPr>
+          <p:cNvPr id="3" name="Subtítulo 2"/>
           <p:cNvSpPr>
             <a:spLocks noGrp="1"/>
           </p:cNvSpPr>
@@ -161,8 +168,8 @@
         </p:nvSpPr>
         <p:spPr>
           <a:xfrm>
-            <a:off x="1371600" y="3886200"/>
-            <a:ext cx="6400800" cy="1752600"/>
+            <a:off x="1524000" y="3602038"/>
+            <a:ext cx="9144000" cy="1655762"/>
           </a:xfrm>
         </p:spPr>
         <p:txBody>
@@ -170,107 +177,53 @@
           <a:lstStyle>
             <a:lvl1pPr marL="0" indent="0" algn="ctr">
               <a:buNone/>
-              <a:defRPr>
-                <a:solidFill>
-                  <a:schemeClr val="tx1">
-                    <a:tint val="75000"/>
-                  </a:schemeClr>
-                </a:solidFill>
-              </a:defRPr>
+              <a:defRPr sz="2400"/>
             </a:lvl1pPr>
             <a:lvl2pPr marL="457200" indent="0" algn="ctr">
               <a:buNone/>
-              <a:defRPr>
-                <a:solidFill>
-                  <a:schemeClr val="tx1">
-                    <a:tint val="75000"/>
-                  </a:schemeClr>
-                </a:solidFill>
-              </a:defRPr>
+              <a:defRPr sz="2000"/>
             </a:lvl2pPr>
             <a:lvl3pPr marL="914400" indent="0" algn="ctr">
               <a:buNone/>
-              <a:defRPr>
-                <a:solidFill>
-                  <a:schemeClr val="tx1">
-                    <a:tint val="75000"/>
-                  </a:schemeClr>
-                </a:solidFill>
-              </a:defRPr>
+              <a:defRPr sz="1800"/>
             </a:lvl3pPr>
             <a:lvl4pPr marL="1371600" indent="0" algn="ctr">
               <a:buNone/>
-              <a:defRPr>
-                <a:solidFill>
-                  <a:schemeClr val="tx1">
-                    <a:tint val="75000"/>
-                  </a:schemeClr>
-                </a:solidFill>
-              </a:defRPr>
+              <a:defRPr sz="1600"/>
             </a:lvl4pPr>
             <a:lvl5pPr marL="1828800" indent="0" algn="ctr">
               <a:buNone/>
-              <a:defRPr>
-                <a:solidFill>
-                  <a:schemeClr val="tx1">
-                    <a:tint val="75000"/>
-                  </a:schemeClr>
-                </a:solidFill>
-              </a:defRPr>
+              <a:defRPr sz="1600"/>
             </a:lvl5pPr>
             <a:lvl6pPr marL="2286000" indent="0" algn="ctr">
               <a:buNone/>
-              <a:defRPr>
-                <a:solidFill>
-                  <a:schemeClr val="tx1">
-                    <a:tint val="75000"/>
-                  </a:schemeClr>
-                </a:solidFill>
-              </a:defRPr>
+              <a:defRPr sz="1600"/>
             </a:lvl6pPr>
             <a:lvl7pPr marL="2743200" indent="0" algn="ctr">
               <a:buNone/>
-              <a:defRPr>
-                <a:solidFill>
-                  <a:schemeClr val="tx1">
-                    <a:tint val="75000"/>
-                  </a:schemeClr>
-                </a:solidFill>
-              </a:defRPr>
+              <a:defRPr sz="1600"/>
             </a:lvl7pPr>
             <a:lvl8pPr marL="3200400" indent="0" algn="ctr">
               <a:buNone/>
-              <a:defRPr>
-                <a:solidFill>
-                  <a:schemeClr val="tx1">
-                    <a:tint val="75000"/>
-                  </a:schemeClr>
-                </a:solidFill>
-              </a:defRPr>
+              <a:defRPr sz="1600"/>
             </a:lvl8pPr>
             <a:lvl9pPr marL="3657600" indent="0" algn="ctr">
               <a:buNone/>
-              <a:defRPr>
-                <a:solidFill>
-                  <a:schemeClr val="tx1">
-                    <a:tint val="75000"/>
-                  </a:schemeClr>
-                </a:solidFill>
-              </a:defRPr>
+              <a:defRPr sz="1600"/>
             </a:lvl9pPr>
           </a:lstStyle>
           <a:p>
             <a:r>
-              <a:rPr lang="zh-CN" altLang="en-US" smtClean="0"/>
-              <a:t>单击此处编辑母版副标题样式</a:t>
-            </a:r>
-            <a:endParaRPr lang="zh-CN" altLang="en-US"/>
-          </a:p>
-        </p:txBody>
-      </p:sp>
-      <p:sp>
-        <p:nvSpPr>
-          <p:cNvPr id="4" name="日期占位符 3"/>
+              <a:rPr lang="pt-BR" smtClean="0"/>
+              <a:t>Clique para editar o estilo do subtítulo Mestre</a:t>
+            </a:r>
+            <a:endParaRPr lang="pt-BR"/>
+          </a:p>
+        </p:txBody>
+      </p:sp>
+      <p:sp>
+        <p:nvSpPr>
+          <p:cNvPr id="4" name="Espaço Reservado para Data 3"/>
           <p:cNvSpPr>
             <a:spLocks noGrp="1"/>
           </p:cNvSpPr>
@@ -283,17 +236,17 @@
           <a:bodyPr/>
           <a:lstStyle/>
           <a:p>
-            <a:fld id="{530820CF-B880-4189-942D-D702A7CBA730}" type="datetimeFigureOut">
-              <a:rPr lang="zh-CN" altLang="en-US" smtClean="0"/>
-              <a:t>2006-9-7</a:t>
+            <a:fld id="{F3A711B5-2115-45C1-8945-4CD8CCC3DB36}" type="datetimeFigureOut">
+              <a:rPr lang="pt-BR" smtClean="0"/>
+              <a:t>26/02/2016</a:t>
             </a:fld>
-            <a:endParaRPr lang="zh-CN" altLang="en-US"/>
-          </a:p>
-        </p:txBody>
-      </p:sp>
-      <p:sp>
-        <p:nvSpPr>
-          <p:cNvPr id="5" name="页脚占位符 4"/>
+            <a:endParaRPr lang="pt-BR"/>
+          </a:p>
+        </p:txBody>
+      </p:sp>
+      <p:sp>
+        <p:nvSpPr>
+          <p:cNvPr id="5" name="Espaço Reservado para Rodapé 4"/>
           <p:cNvSpPr>
             <a:spLocks noGrp="1"/>
           </p:cNvSpPr>
@@ -306,13 +259,13 @@
           <a:bodyPr/>
           <a:lstStyle/>
           <a:p>
-            <a:endParaRPr lang="zh-CN" altLang="en-US"/>
-          </a:p>
-        </p:txBody>
-      </p:sp>
-      <p:sp>
-        <p:nvSpPr>
-          <p:cNvPr id="6" name="灯片编号占位符 5"/>
+            <a:endParaRPr lang="pt-BR"/>
+          </a:p>
+        </p:txBody>
+      </p:sp>
+      <p:sp>
+        <p:nvSpPr>
+          <p:cNvPr id="6" name="Espaço Reservado para Número de Slide 5"/>
           <p:cNvSpPr>
             <a:spLocks noGrp="1"/>
           </p:cNvSpPr>
@@ -325,15 +278,20 @@
           <a:bodyPr/>
           <a:lstStyle/>
           <a:p>
-            <a:fld id="{0C913308-F349-4B6D-A68A-DD1791B4A57B}" type="slidenum">
-              <a:rPr lang="zh-CN" altLang="en-US" smtClean="0"/>
-              <a:t>‹#›</a:t>
+            <a:fld id="{CD179989-2F28-4935-9FD0-F71FBA1F1C24}" type="slidenum">
+              <a:rPr lang="pt-BR" smtClean="0"/>
+              <a:t>‹nº›</a:t>
             </a:fld>
-            <a:endParaRPr lang="zh-CN" altLang="en-US"/>
+            <a:endParaRPr lang="pt-BR"/>
           </a:p>
         </p:txBody>
       </p:sp>
     </p:spTree>
+    <p:extLst>
+      <p:ext uri="{BB962C8B-B14F-4D97-AF65-F5344CB8AC3E}">
+        <p14:creationId xmlns:p14="http://schemas.microsoft.com/office/powerpoint/2010/main" val="2187689070"/>
+      </p:ext>
+    </p:extLst>
   </p:cSld>
   <p:clrMapOvr>
     <a:masterClrMapping/>
@@ -343,7 +301,7 @@
 
 <file path=ppt/slideLayouts/slideLayout10.xml><?xml version="1.0" encoding="utf-8"?>
 <p:sldLayout xmlns:a="http://schemas.openxmlformats.org/drawingml/2006/main" xmlns:r="http://schemas.openxmlformats.org/officeDocument/2006/relationships" xmlns:p="http://schemas.openxmlformats.org/presentationml/2006/main" type="vertTx" preserve="1">
-  <p:cSld name="标题和竖排文字">
+  <p:cSld name="Título e Texto Vertical">
     <p:spTree>
       <p:nvGrpSpPr>
         <p:cNvPr id="1" name=""/>
@@ -360,7 +318,7 @@
       </p:grpSpPr>
       <p:sp>
         <p:nvSpPr>
-          <p:cNvPr id="2" name="标题 1"/>
+          <p:cNvPr id="2" name="Título 1"/>
           <p:cNvSpPr>
             <a:spLocks noGrp="1"/>
           </p:cNvSpPr>
@@ -374,16 +332,16 @@
           <a:lstStyle/>
           <a:p>
             <a:r>
-              <a:rPr lang="zh-CN" altLang="en-US" smtClean="0"/>
-              <a:t>单击此处编辑母版标题样式</a:t>
-            </a:r>
-            <a:endParaRPr lang="zh-CN" altLang="en-US"/>
-          </a:p>
-        </p:txBody>
-      </p:sp>
-      <p:sp>
-        <p:nvSpPr>
-          <p:cNvPr id="3" name="竖排文字占位符 2"/>
+              <a:rPr lang="pt-BR" smtClean="0"/>
+              <a:t>Clique para editar o título mestre</a:t>
+            </a:r>
+            <a:endParaRPr lang="pt-BR"/>
+          </a:p>
+        </p:txBody>
+      </p:sp>
+      <p:sp>
+        <p:nvSpPr>
+          <p:cNvPr id="3" name="Espaço Reservado para Texto Vertical 2"/>
           <p:cNvSpPr>
             <a:spLocks noGrp="1"/>
           </p:cNvSpPr>
@@ -398,44 +356,44 @@
           <a:p>
             <a:pPr lvl="0"/>
             <a:r>
-              <a:rPr lang="zh-CN" altLang="en-US" smtClean="0"/>
-              <a:t>单击此处编辑母版文本样式</a:t>
+              <a:rPr lang="pt-BR" smtClean="0"/>
+              <a:t>Editar estilos de texto Mestre</a:t>
             </a:r>
           </a:p>
           <a:p>
             <a:pPr lvl="1"/>
             <a:r>
-              <a:rPr lang="zh-CN" altLang="en-US" smtClean="0"/>
-              <a:t>第二级</a:t>
+              <a:rPr lang="pt-BR" smtClean="0"/>
+              <a:t>Segundo nível</a:t>
             </a:r>
           </a:p>
           <a:p>
             <a:pPr lvl="2"/>
             <a:r>
-              <a:rPr lang="zh-CN" altLang="en-US" smtClean="0"/>
-              <a:t>第三级</a:t>
+              <a:rPr lang="pt-BR" smtClean="0"/>
+              <a:t>Terceiro nível</a:t>
             </a:r>
           </a:p>
           <a:p>
             <a:pPr lvl="3"/>
             <a:r>
-              <a:rPr lang="zh-CN" altLang="en-US" smtClean="0"/>
-              <a:t>第四级</a:t>
+              <a:rPr lang="pt-BR" smtClean="0"/>
+              <a:t>Quarto nível</a:t>
             </a:r>
           </a:p>
           <a:p>
             <a:pPr lvl="4"/>
             <a:r>
-              <a:rPr lang="zh-CN" altLang="en-US" smtClean="0"/>
-              <a:t>第五级</a:t>
-            </a:r>
-            <a:endParaRPr lang="zh-CN" altLang="en-US"/>
-          </a:p>
-        </p:txBody>
-      </p:sp>
-      <p:sp>
-        <p:nvSpPr>
-          <p:cNvPr id="4" name="日期占位符 3"/>
+              <a:rPr lang="pt-BR" smtClean="0"/>
+              <a:t>Quinto nível</a:t>
+            </a:r>
+            <a:endParaRPr lang="pt-BR"/>
+          </a:p>
+        </p:txBody>
+      </p:sp>
+      <p:sp>
+        <p:nvSpPr>
+          <p:cNvPr id="4" name="Espaço Reservado para Data 3"/>
           <p:cNvSpPr>
             <a:spLocks noGrp="1"/>
           </p:cNvSpPr>
@@ -448,17 +406,17 @@
           <a:bodyPr/>
           <a:lstStyle/>
           <a:p>
-            <a:fld id="{530820CF-B880-4189-942D-D702A7CBA730}" type="datetimeFigureOut">
-              <a:rPr lang="zh-CN" altLang="en-US" smtClean="0"/>
-              <a:t>2006-9-7</a:t>
+            <a:fld id="{F3A711B5-2115-45C1-8945-4CD8CCC3DB36}" type="datetimeFigureOut">
+              <a:rPr lang="pt-BR" smtClean="0"/>
+              <a:t>26/02/2016</a:t>
             </a:fld>
-            <a:endParaRPr lang="zh-CN" altLang="en-US"/>
-          </a:p>
-        </p:txBody>
-      </p:sp>
-      <p:sp>
-        <p:nvSpPr>
-          <p:cNvPr id="5" name="页脚占位符 4"/>
+            <a:endParaRPr lang="pt-BR"/>
+          </a:p>
+        </p:txBody>
+      </p:sp>
+      <p:sp>
+        <p:nvSpPr>
+          <p:cNvPr id="5" name="Espaço Reservado para Rodapé 4"/>
           <p:cNvSpPr>
             <a:spLocks noGrp="1"/>
           </p:cNvSpPr>
@@ -471,13 +429,13 @@
           <a:bodyPr/>
           <a:lstStyle/>
           <a:p>
-            <a:endParaRPr lang="zh-CN" altLang="en-US"/>
-          </a:p>
-        </p:txBody>
-      </p:sp>
-      <p:sp>
-        <p:nvSpPr>
-          <p:cNvPr id="6" name="灯片编号占位符 5"/>
+            <a:endParaRPr lang="pt-BR"/>
+          </a:p>
+        </p:txBody>
+      </p:sp>
+      <p:sp>
+        <p:nvSpPr>
+          <p:cNvPr id="6" name="Espaço Reservado para Número de Slide 5"/>
           <p:cNvSpPr>
             <a:spLocks noGrp="1"/>
           </p:cNvSpPr>
@@ -490,15 +448,20 @@
           <a:bodyPr/>
           <a:lstStyle/>
           <a:p>
-            <a:fld id="{0C913308-F349-4B6D-A68A-DD1791B4A57B}" type="slidenum">
-              <a:rPr lang="zh-CN" altLang="en-US" smtClean="0"/>
-              <a:t>‹#›</a:t>
+            <a:fld id="{CD179989-2F28-4935-9FD0-F71FBA1F1C24}" type="slidenum">
+              <a:rPr lang="pt-BR" smtClean="0"/>
+              <a:t>‹nº›</a:t>
             </a:fld>
-            <a:endParaRPr lang="zh-CN" altLang="en-US"/>
+            <a:endParaRPr lang="pt-BR"/>
           </a:p>
         </p:txBody>
       </p:sp>
     </p:spTree>
+    <p:extLst>
+      <p:ext uri="{BB962C8B-B14F-4D97-AF65-F5344CB8AC3E}">
+        <p14:creationId xmlns:p14="http://schemas.microsoft.com/office/powerpoint/2010/main" val="995661888"/>
+      </p:ext>
+    </p:extLst>
   </p:cSld>
   <p:clrMapOvr>
     <a:masterClrMapping/>
@@ -508,7 +471,7 @@
 
 <file path=ppt/slideLayouts/slideLayout11.xml><?xml version="1.0" encoding="utf-8"?>
 <p:sldLayout xmlns:a="http://schemas.openxmlformats.org/drawingml/2006/main" xmlns:r="http://schemas.openxmlformats.org/officeDocument/2006/relationships" xmlns:p="http://schemas.openxmlformats.org/presentationml/2006/main" type="vertTitleAndTx" preserve="1">
-  <p:cSld name="垂直排列标题与文本">
+  <p:cSld name="Texto e Título Vertical">
     <p:spTree>
       <p:nvGrpSpPr>
         <p:cNvPr id="1" name=""/>
@@ -525,7 +488,7 @@
       </p:grpSpPr>
       <p:sp>
         <p:nvSpPr>
-          <p:cNvPr id="2" name="竖排标题 1"/>
+          <p:cNvPr id="2" name="Título Vertical 1"/>
           <p:cNvSpPr>
             <a:spLocks noGrp="1"/>
           </p:cNvSpPr>
@@ -535,8 +498,8 @@
         </p:nvSpPr>
         <p:spPr>
           <a:xfrm>
-            <a:off x="6629400" y="274638"/>
-            <a:ext cx="2057400" cy="5851525"/>
+            <a:off x="8724900" y="365125"/>
+            <a:ext cx="2628900" cy="5811838"/>
           </a:xfrm>
         </p:spPr>
         <p:txBody>
@@ -544,16 +507,16 @@
           <a:lstStyle/>
           <a:p>
             <a:r>
-              <a:rPr lang="zh-CN" altLang="en-US" smtClean="0"/>
-              <a:t>单击此处编辑母版标题样式</a:t>
-            </a:r>
-            <a:endParaRPr lang="zh-CN" altLang="en-US"/>
-          </a:p>
-        </p:txBody>
-      </p:sp>
-      <p:sp>
-        <p:nvSpPr>
-          <p:cNvPr id="3" name="竖排文字占位符 2"/>
+              <a:rPr lang="pt-BR" smtClean="0"/>
+              <a:t>Clique para editar o título mestre</a:t>
+            </a:r>
+            <a:endParaRPr lang="pt-BR"/>
+          </a:p>
+        </p:txBody>
+      </p:sp>
+      <p:sp>
+        <p:nvSpPr>
+          <p:cNvPr id="3" name="Espaço Reservado para Texto Vertical 2"/>
           <p:cNvSpPr>
             <a:spLocks noGrp="1"/>
           </p:cNvSpPr>
@@ -563,8 +526,8 @@
         </p:nvSpPr>
         <p:spPr>
           <a:xfrm>
-            <a:off x="457200" y="274638"/>
-            <a:ext cx="6019800" cy="5851525"/>
+            <a:off x="838200" y="365125"/>
+            <a:ext cx="7734300" cy="5811838"/>
           </a:xfrm>
         </p:spPr>
         <p:txBody>
@@ -573,44 +536,44 @@
           <a:p>
             <a:pPr lvl="0"/>
             <a:r>
-              <a:rPr lang="zh-CN" altLang="en-US" smtClean="0"/>
-              <a:t>单击此处编辑母版文本样式</a:t>
+              <a:rPr lang="pt-BR" smtClean="0"/>
+              <a:t>Editar estilos de texto Mestre</a:t>
             </a:r>
           </a:p>
           <a:p>
             <a:pPr lvl="1"/>
             <a:r>
-              <a:rPr lang="zh-CN" altLang="en-US" smtClean="0"/>
-              <a:t>第二级</a:t>
+              <a:rPr lang="pt-BR" smtClean="0"/>
+              <a:t>Segundo nível</a:t>
             </a:r>
           </a:p>
           <a:p>
             <a:pPr lvl="2"/>
             <a:r>
-              <a:rPr lang="zh-CN" altLang="en-US" smtClean="0"/>
-              <a:t>第三级</a:t>
+              <a:rPr lang="pt-BR" smtClean="0"/>
+              <a:t>Terceiro nível</a:t>
             </a:r>
           </a:p>
           <a:p>
             <a:pPr lvl="3"/>
             <a:r>
-              <a:rPr lang="zh-CN" altLang="en-US" smtClean="0"/>
-              <a:t>第四级</a:t>
+              <a:rPr lang="pt-BR" smtClean="0"/>
+              <a:t>Quarto nível</a:t>
             </a:r>
           </a:p>
           <a:p>
             <a:pPr lvl="4"/>
             <a:r>
-              <a:rPr lang="zh-CN" altLang="en-US" smtClean="0"/>
-              <a:t>第五级</a:t>
-            </a:r>
-            <a:endParaRPr lang="zh-CN" altLang="en-US"/>
-          </a:p>
-        </p:txBody>
-      </p:sp>
-      <p:sp>
-        <p:nvSpPr>
-          <p:cNvPr id="4" name="日期占位符 3"/>
+              <a:rPr lang="pt-BR" smtClean="0"/>
+              <a:t>Quinto nível</a:t>
+            </a:r>
+            <a:endParaRPr lang="pt-BR"/>
+          </a:p>
+        </p:txBody>
+      </p:sp>
+      <p:sp>
+        <p:nvSpPr>
+          <p:cNvPr id="4" name="Espaço Reservado para Data 3"/>
           <p:cNvSpPr>
             <a:spLocks noGrp="1"/>
           </p:cNvSpPr>
@@ -623,17 +586,17 @@
           <a:bodyPr/>
           <a:lstStyle/>
           <a:p>
-            <a:fld id="{530820CF-B880-4189-942D-D702A7CBA730}" type="datetimeFigureOut">
-              <a:rPr lang="zh-CN" altLang="en-US" smtClean="0"/>
-              <a:t>2006-9-7</a:t>
+            <a:fld id="{F3A711B5-2115-45C1-8945-4CD8CCC3DB36}" type="datetimeFigureOut">
+              <a:rPr lang="pt-BR" smtClean="0"/>
+              <a:t>26/02/2016</a:t>
             </a:fld>
-            <a:endParaRPr lang="zh-CN" altLang="en-US"/>
-          </a:p>
-        </p:txBody>
-      </p:sp>
-      <p:sp>
-        <p:nvSpPr>
-          <p:cNvPr id="5" name="页脚占位符 4"/>
+            <a:endParaRPr lang="pt-BR"/>
+          </a:p>
+        </p:txBody>
+      </p:sp>
+      <p:sp>
+        <p:nvSpPr>
+          <p:cNvPr id="5" name="Espaço Reservado para Rodapé 4"/>
           <p:cNvSpPr>
             <a:spLocks noGrp="1"/>
           </p:cNvSpPr>
@@ -646,13 +609,13 @@
           <a:bodyPr/>
           <a:lstStyle/>
           <a:p>
-            <a:endParaRPr lang="zh-CN" altLang="en-US"/>
-          </a:p>
-        </p:txBody>
-      </p:sp>
-      <p:sp>
-        <p:nvSpPr>
-          <p:cNvPr id="6" name="灯片编号占位符 5"/>
+            <a:endParaRPr lang="pt-BR"/>
+          </a:p>
+        </p:txBody>
+      </p:sp>
+      <p:sp>
+        <p:nvSpPr>
+          <p:cNvPr id="6" name="Espaço Reservado para Número de Slide 5"/>
           <p:cNvSpPr>
             <a:spLocks noGrp="1"/>
           </p:cNvSpPr>
@@ -665,15 +628,20 @@
           <a:bodyPr/>
           <a:lstStyle/>
           <a:p>
-            <a:fld id="{0C913308-F349-4B6D-A68A-DD1791B4A57B}" type="slidenum">
-              <a:rPr lang="zh-CN" altLang="en-US" smtClean="0"/>
-              <a:t>‹#›</a:t>
+            <a:fld id="{CD179989-2F28-4935-9FD0-F71FBA1F1C24}" type="slidenum">
+              <a:rPr lang="pt-BR" smtClean="0"/>
+              <a:t>‹nº›</a:t>
             </a:fld>
-            <a:endParaRPr lang="zh-CN" altLang="en-US"/>
+            <a:endParaRPr lang="pt-BR"/>
           </a:p>
         </p:txBody>
       </p:sp>
     </p:spTree>
+    <p:extLst>
+      <p:ext uri="{BB962C8B-B14F-4D97-AF65-F5344CB8AC3E}">
+        <p14:creationId xmlns:p14="http://schemas.microsoft.com/office/powerpoint/2010/main" val="4018669118"/>
+      </p:ext>
+    </p:extLst>
   </p:cSld>
   <p:clrMapOvr>
     <a:masterClrMapping/>
@@ -683,7 +651,7 @@
 
 <file path=ppt/slideLayouts/slideLayout2.xml><?xml version="1.0" encoding="utf-8"?>
 <p:sldLayout xmlns:a="http://schemas.openxmlformats.org/drawingml/2006/main" xmlns:r="http://schemas.openxmlformats.org/officeDocument/2006/relationships" xmlns:p="http://schemas.openxmlformats.org/presentationml/2006/main" type="obj" preserve="1">
-  <p:cSld name="标题和内容">
+  <p:cSld name="Título e Conteúdo">
     <p:spTree>
       <p:nvGrpSpPr>
         <p:cNvPr id="1" name=""/>
@@ -700,7 +668,7 @@
       </p:grpSpPr>
       <p:sp>
         <p:nvSpPr>
-          <p:cNvPr id="2" name="标题 1"/>
+          <p:cNvPr id="2" name="Título 1"/>
           <p:cNvSpPr>
             <a:spLocks noGrp="1"/>
           </p:cNvSpPr>
@@ -714,16 +682,16 @@
           <a:lstStyle/>
           <a:p>
             <a:r>
-              <a:rPr lang="zh-CN" altLang="en-US" smtClean="0"/>
-              <a:t>单击此处编辑母版标题样式</a:t>
-            </a:r>
-            <a:endParaRPr lang="zh-CN" altLang="en-US"/>
-          </a:p>
-        </p:txBody>
-      </p:sp>
-      <p:sp>
-        <p:nvSpPr>
-          <p:cNvPr id="3" name="内容占位符 2"/>
+              <a:rPr lang="pt-BR" smtClean="0"/>
+              <a:t>Clique para editar o título mestre</a:t>
+            </a:r>
+            <a:endParaRPr lang="pt-BR"/>
+          </a:p>
+        </p:txBody>
+      </p:sp>
+      <p:sp>
+        <p:nvSpPr>
+          <p:cNvPr id="3" name="Espaço Reservado para Conteúdo 2"/>
           <p:cNvSpPr>
             <a:spLocks noGrp="1"/>
           </p:cNvSpPr>
@@ -738,44 +706,44 @@
           <a:p>
             <a:pPr lvl="0"/>
             <a:r>
-              <a:rPr lang="zh-CN" altLang="en-US" smtClean="0"/>
-              <a:t>单击此处编辑母版文本样式</a:t>
+              <a:rPr lang="pt-BR" smtClean="0"/>
+              <a:t>Editar estilos de texto Mestre</a:t>
             </a:r>
           </a:p>
           <a:p>
             <a:pPr lvl="1"/>
             <a:r>
-              <a:rPr lang="zh-CN" altLang="en-US" smtClean="0"/>
-              <a:t>第二级</a:t>
+              <a:rPr lang="pt-BR" smtClean="0"/>
+              <a:t>Segundo nível</a:t>
             </a:r>
           </a:p>
           <a:p>
             <a:pPr lvl="2"/>
             <a:r>
-              <a:rPr lang="zh-CN" altLang="en-US" smtClean="0"/>
-              <a:t>第三级</a:t>
+              <a:rPr lang="pt-BR" smtClean="0"/>
+              <a:t>Terceiro nível</a:t>
             </a:r>
           </a:p>
           <a:p>
             <a:pPr lvl="3"/>
             <a:r>
-              <a:rPr lang="zh-CN" altLang="en-US" smtClean="0"/>
-              <a:t>第四级</a:t>
+              <a:rPr lang="pt-BR" smtClean="0"/>
+              <a:t>Quarto nível</a:t>
             </a:r>
           </a:p>
           <a:p>
             <a:pPr lvl="4"/>
             <a:r>
-              <a:rPr lang="zh-CN" altLang="en-US" smtClean="0"/>
-              <a:t>第五级</a:t>
-            </a:r>
-            <a:endParaRPr lang="zh-CN" altLang="en-US"/>
-          </a:p>
-        </p:txBody>
-      </p:sp>
-      <p:sp>
-        <p:nvSpPr>
-          <p:cNvPr id="4" name="日期占位符 3"/>
+              <a:rPr lang="pt-BR" smtClean="0"/>
+              <a:t>Quinto nível</a:t>
+            </a:r>
+            <a:endParaRPr lang="pt-BR"/>
+          </a:p>
+        </p:txBody>
+      </p:sp>
+      <p:sp>
+        <p:nvSpPr>
+          <p:cNvPr id="4" name="Espaço Reservado para Data 3"/>
           <p:cNvSpPr>
             <a:spLocks noGrp="1"/>
           </p:cNvSpPr>
@@ -788,17 +756,17 @@
           <a:bodyPr/>
           <a:lstStyle/>
           <a:p>
-            <a:fld id="{530820CF-B880-4189-942D-D702A7CBA730}" type="datetimeFigureOut">
-              <a:rPr lang="zh-CN" altLang="en-US" smtClean="0"/>
-              <a:t>2006-9-7</a:t>
+            <a:fld id="{F3A711B5-2115-45C1-8945-4CD8CCC3DB36}" type="datetimeFigureOut">
+              <a:rPr lang="pt-BR" smtClean="0"/>
+              <a:t>26/02/2016</a:t>
             </a:fld>
-            <a:endParaRPr lang="zh-CN" altLang="en-US"/>
-          </a:p>
-        </p:txBody>
-      </p:sp>
-      <p:sp>
-        <p:nvSpPr>
-          <p:cNvPr id="5" name="页脚占位符 4"/>
+            <a:endParaRPr lang="pt-BR"/>
+          </a:p>
+        </p:txBody>
+      </p:sp>
+      <p:sp>
+        <p:nvSpPr>
+          <p:cNvPr id="5" name="Espaço Reservado para Rodapé 4"/>
           <p:cNvSpPr>
             <a:spLocks noGrp="1"/>
           </p:cNvSpPr>
@@ -811,13 +779,13 @@
           <a:bodyPr/>
           <a:lstStyle/>
           <a:p>
-            <a:endParaRPr lang="zh-CN" altLang="en-US"/>
-          </a:p>
-        </p:txBody>
-      </p:sp>
-      <p:sp>
-        <p:nvSpPr>
-          <p:cNvPr id="6" name="灯片编号占位符 5"/>
+            <a:endParaRPr lang="pt-BR"/>
+          </a:p>
+        </p:txBody>
+      </p:sp>
+      <p:sp>
+        <p:nvSpPr>
+          <p:cNvPr id="6" name="Espaço Reservado para Número de Slide 5"/>
           <p:cNvSpPr>
             <a:spLocks noGrp="1"/>
           </p:cNvSpPr>
@@ -830,15 +798,20 @@
           <a:bodyPr/>
           <a:lstStyle/>
           <a:p>
-            <a:fld id="{0C913308-F349-4B6D-A68A-DD1791B4A57B}" type="slidenum">
-              <a:rPr lang="zh-CN" altLang="en-US" smtClean="0"/>
-              <a:t>‹#›</a:t>
+            <a:fld id="{CD179989-2F28-4935-9FD0-F71FBA1F1C24}" type="slidenum">
+              <a:rPr lang="pt-BR" smtClean="0"/>
+              <a:t>‹nº›</a:t>
             </a:fld>
-            <a:endParaRPr lang="zh-CN" altLang="en-US"/>
+            <a:endParaRPr lang="pt-BR"/>
           </a:p>
         </p:txBody>
       </p:sp>
     </p:spTree>
+    <p:extLst>
+      <p:ext uri="{BB962C8B-B14F-4D97-AF65-F5344CB8AC3E}">
+        <p14:creationId xmlns:p14="http://schemas.microsoft.com/office/powerpoint/2010/main" val="2541439206"/>
+      </p:ext>
+    </p:extLst>
   </p:cSld>
   <p:clrMapOvr>
     <a:masterClrMapping/>
@@ -848,7 +821,7 @@
 
 <file path=ppt/slideLayouts/slideLayout3.xml><?xml version="1.0" encoding="utf-8"?>
 <p:sldLayout xmlns:a="http://schemas.openxmlformats.org/drawingml/2006/main" xmlns:r="http://schemas.openxmlformats.org/officeDocument/2006/relationships" xmlns:p="http://schemas.openxmlformats.org/presentationml/2006/main" type="secHead" preserve="1">
-  <p:cSld name="节标题">
+  <p:cSld name="Cabeçalho da Seção">
     <p:spTree>
       <p:nvGrpSpPr>
         <p:cNvPr id="1" name=""/>
@@ -865,7 +838,7 @@
       </p:grpSpPr>
       <p:sp>
         <p:nvSpPr>
-          <p:cNvPr id="2" name="标题 1"/>
+          <p:cNvPr id="2" name="Título 1"/>
           <p:cNvSpPr>
             <a:spLocks noGrp="1"/>
           </p:cNvSpPr>
@@ -875,29 +848,29 @@
         </p:nvSpPr>
         <p:spPr>
           <a:xfrm>
-            <a:off x="722313" y="4406900"/>
-            <a:ext cx="7772400" cy="1362075"/>
+            <a:off x="831850" y="1709738"/>
+            <a:ext cx="10515600" cy="2852737"/>
           </a:xfrm>
         </p:spPr>
         <p:txBody>
-          <a:bodyPr anchor="t"/>
+          <a:bodyPr anchor="b"/>
           <a:lstStyle>
-            <a:lvl1pPr algn="l">
-              <a:defRPr sz="4000" b="1" cap="all"/>
+            <a:lvl1pPr>
+              <a:defRPr sz="6000"/>
             </a:lvl1pPr>
           </a:lstStyle>
           <a:p>
             <a:r>
-              <a:rPr lang="zh-CN" altLang="en-US" smtClean="0"/>
-              <a:t>单击此处编辑母版标题样式</a:t>
-            </a:r>
-            <a:endParaRPr lang="zh-CN" altLang="en-US"/>
-          </a:p>
-        </p:txBody>
-      </p:sp>
-      <p:sp>
-        <p:nvSpPr>
-          <p:cNvPr id="3" name="文本占位符 2"/>
+              <a:rPr lang="pt-BR" smtClean="0"/>
+              <a:t>Clique para editar o título mestre</a:t>
+            </a:r>
+            <a:endParaRPr lang="pt-BR"/>
+          </a:p>
+        </p:txBody>
+      </p:sp>
+      <p:sp>
+        <p:nvSpPr>
+          <p:cNvPr id="3" name="Espaço Reservado para Texto 2"/>
           <p:cNvSpPr>
             <a:spLocks noGrp="1"/>
           </p:cNvSpPr>
@@ -907,16 +880,16 @@
         </p:nvSpPr>
         <p:spPr>
           <a:xfrm>
-            <a:off x="722313" y="2906713"/>
-            <a:ext cx="7772400" cy="1500187"/>
+            <a:off x="831850" y="4589463"/>
+            <a:ext cx="10515600" cy="1500187"/>
           </a:xfrm>
         </p:spPr>
         <p:txBody>
-          <a:bodyPr anchor="b"/>
+          <a:bodyPr/>
           <a:lstStyle>
             <a:lvl1pPr marL="0" indent="0">
               <a:buNone/>
-              <a:defRPr sz="2000">
+              <a:defRPr sz="2400">
                 <a:solidFill>
                   <a:schemeClr val="tx1">
                     <a:tint val="75000"/>
@@ -926,7 +899,7 @@
             </a:lvl1pPr>
             <a:lvl2pPr marL="457200" indent="0">
               <a:buNone/>
-              <a:defRPr sz="1800">
+              <a:defRPr sz="2000">
                 <a:solidFill>
                   <a:schemeClr val="tx1">
                     <a:tint val="75000"/>
@@ -936,7 +909,7 @@
             </a:lvl2pPr>
             <a:lvl3pPr marL="914400" indent="0">
               <a:buNone/>
-              <a:defRPr sz="1600">
+              <a:defRPr sz="1800">
                 <a:solidFill>
                   <a:schemeClr val="tx1">
                     <a:tint val="75000"/>
@@ -946,7 +919,7 @@
             </a:lvl3pPr>
             <a:lvl4pPr marL="1371600" indent="0">
               <a:buNone/>
-              <a:defRPr sz="1400">
+              <a:defRPr sz="1600">
                 <a:solidFill>
                   <a:schemeClr val="tx1">
                     <a:tint val="75000"/>
@@ -956,7 +929,7 @@
             </a:lvl4pPr>
             <a:lvl5pPr marL="1828800" indent="0">
               <a:buNone/>
-              <a:defRPr sz="1400">
+              <a:defRPr sz="1600">
                 <a:solidFill>
                   <a:schemeClr val="tx1">
                     <a:tint val="75000"/>
@@ -966,7 +939,7 @@
             </a:lvl5pPr>
             <a:lvl6pPr marL="2286000" indent="0">
               <a:buNone/>
-              <a:defRPr sz="1400">
+              <a:defRPr sz="1600">
                 <a:solidFill>
                   <a:schemeClr val="tx1">
                     <a:tint val="75000"/>
@@ -976,7 +949,7 @@
             </a:lvl6pPr>
             <a:lvl7pPr marL="2743200" indent="0">
               <a:buNone/>
-              <a:defRPr sz="1400">
+              <a:defRPr sz="1600">
                 <a:solidFill>
                   <a:schemeClr val="tx1">
                     <a:tint val="75000"/>
@@ -986,7 +959,7 @@
             </a:lvl7pPr>
             <a:lvl8pPr marL="3200400" indent="0">
               <a:buNone/>
-              <a:defRPr sz="1400">
+              <a:defRPr sz="1600">
                 <a:solidFill>
                   <a:schemeClr val="tx1">
                     <a:tint val="75000"/>
@@ -996,7 +969,7 @@
             </a:lvl8pPr>
             <a:lvl9pPr marL="3657600" indent="0">
               <a:buNone/>
-              <a:defRPr sz="1400">
+              <a:defRPr sz="1600">
                 <a:solidFill>
                   <a:schemeClr val="tx1">
                     <a:tint val="75000"/>
@@ -1008,15 +981,15 @@
           <a:p>
             <a:pPr lvl="0"/>
             <a:r>
-              <a:rPr lang="zh-CN" altLang="en-US" smtClean="0"/>
-              <a:t>单击此处编辑母版文本样式</a:t>
-            </a:r>
-          </a:p>
-        </p:txBody>
-      </p:sp>
-      <p:sp>
-        <p:nvSpPr>
-          <p:cNvPr id="4" name="日期占位符 3"/>
+              <a:rPr lang="pt-BR" smtClean="0"/>
+              <a:t>Editar estilos de texto Mestre</a:t>
+            </a:r>
+          </a:p>
+        </p:txBody>
+      </p:sp>
+      <p:sp>
+        <p:nvSpPr>
+          <p:cNvPr id="4" name="Espaço Reservado para Data 3"/>
           <p:cNvSpPr>
             <a:spLocks noGrp="1"/>
           </p:cNvSpPr>
@@ -1029,17 +1002,17 @@
           <a:bodyPr/>
           <a:lstStyle/>
           <a:p>
-            <a:fld id="{530820CF-B880-4189-942D-D702A7CBA730}" type="datetimeFigureOut">
-              <a:rPr lang="zh-CN" altLang="en-US" smtClean="0"/>
-              <a:t>2006-9-7</a:t>
+            <a:fld id="{F3A711B5-2115-45C1-8945-4CD8CCC3DB36}" type="datetimeFigureOut">
+              <a:rPr lang="pt-BR" smtClean="0"/>
+              <a:t>26/02/2016</a:t>
             </a:fld>
-            <a:endParaRPr lang="zh-CN" altLang="en-US"/>
-          </a:p>
-        </p:txBody>
-      </p:sp>
-      <p:sp>
-        <p:nvSpPr>
-          <p:cNvPr id="5" name="页脚占位符 4"/>
+            <a:endParaRPr lang="pt-BR"/>
+          </a:p>
+        </p:txBody>
+      </p:sp>
+      <p:sp>
+        <p:nvSpPr>
+          <p:cNvPr id="5" name="Espaço Reservado para Rodapé 4"/>
           <p:cNvSpPr>
             <a:spLocks noGrp="1"/>
           </p:cNvSpPr>
@@ -1052,13 +1025,13 @@
           <a:bodyPr/>
           <a:lstStyle/>
           <a:p>
-            <a:endParaRPr lang="zh-CN" altLang="en-US"/>
-          </a:p>
-        </p:txBody>
-      </p:sp>
-      <p:sp>
-        <p:nvSpPr>
-          <p:cNvPr id="6" name="灯片编号占位符 5"/>
+            <a:endParaRPr lang="pt-BR"/>
+          </a:p>
+        </p:txBody>
+      </p:sp>
+      <p:sp>
+        <p:nvSpPr>
+          <p:cNvPr id="6" name="Espaço Reservado para Número de Slide 5"/>
           <p:cNvSpPr>
             <a:spLocks noGrp="1"/>
           </p:cNvSpPr>
@@ -1071,15 +1044,20 @@
           <a:bodyPr/>
           <a:lstStyle/>
           <a:p>
-            <a:fld id="{0C913308-F349-4B6D-A68A-DD1791B4A57B}" type="slidenum">
-              <a:rPr lang="zh-CN" altLang="en-US" smtClean="0"/>
-              <a:t>‹#›</a:t>
+            <a:fld id="{CD179989-2F28-4935-9FD0-F71FBA1F1C24}" type="slidenum">
+              <a:rPr lang="pt-BR" smtClean="0"/>
+              <a:t>‹nº›</a:t>
             </a:fld>
-            <a:endParaRPr lang="zh-CN" altLang="en-US"/>
+            <a:endParaRPr lang="pt-BR"/>
           </a:p>
         </p:txBody>
       </p:sp>
     </p:spTree>
+    <p:extLst>
+      <p:ext uri="{BB962C8B-B14F-4D97-AF65-F5344CB8AC3E}">
+        <p14:creationId xmlns:p14="http://schemas.microsoft.com/office/powerpoint/2010/main" val="4169095156"/>
+      </p:ext>
+    </p:extLst>
   </p:cSld>
   <p:clrMapOvr>
     <a:masterClrMapping/>
@@ -1089,7 +1067,7 @@
 
 <file path=ppt/slideLayouts/slideLayout4.xml><?xml version="1.0" encoding="utf-8"?>
 <p:sldLayout xmlns:a="http://schemas.openxmlformats.org/drawingml/2006/main" xmlns:r="http://schemas.openxmlformats.org/officeDocument/2006/relationships" xmlns:p="http://schemas.openxmlformats.org/presentationml/2006/main" type="twoObj" preserve="1">
-  <p:cSld name="两栏内容">
+  <p:cSld name="Duas Partes de Conteúdo">
     <p:spTree>
       <p:nvGrpSpPr>
         <p:cNvPr id="1" name=""/>
@@ -1106,7 +1084,7 @@
       </p:grpSpPr>
       <p:sp>
         <p:nvSpPr>
-          <p:cNvPr id="2" name="标题 1"/>
+          <p:cNvPr id="2" name="Título 1"/>
           <p:cNvSpPr>
             <a:spLocks noGrp="1"/>
           </p:cNvSpPr>
@@ -1120,16 +1098,16 @@
           <a:lstStyle/>
           <a:p>
             <a:r>
-              <a:rPr lang="zh-CN" altLang="en-US" smtClean="0"/>
-              <a:t>单击此处编辑母版标题样式</a:t>
-            </a:r>
-            <a:endParaRPr lang="zh-CN" altLang="en-US"/>
-          </a:p>
-        </p:txBody>
-      </p:sp>
-      <p:sp>
-        <p:nvSpPr>
-          <p:cNvPr id="3" name="内容占位符 2"/>
+              <a:rPr lang="pt-BR" smtClean="0"/>
+              <a:t>Clique para editar o título mestre</a:t>
+            </a:r>
+            <a:endParaRPr lang="pt-BR"/>
+          </a:p>
+        </p:txBody>
+      </p:sp>
+      <p:sp>
+        <p:nvSpPr>
+          <p:cNvPr id="3" name="Espaço Reservado para Conteúdo 2"/>
           <p:cNvSpPr>
             <a:spLocks noGrp="1"/>
           </p:cNvSpPr>
@@ -1139,82 +1117,54 @@
         </p:nvSpPr>
         <p:spPr>
           <a:xfrm>
-            <a:off x="457200" y="1600200"/>
-            <a:ext cx="4038600" cy="4525963"/>
+            <a:off x="838200" y="1825625"/>
+            <a:ext cx="5181600" cy="4351338"/>
           </a:xfrm>
         </p:spPr>
         <p:txBody>
           <a:bodyPr/>
-          <a:lstStyle>
-            <a:lvl1pPr>
-              <a:defRPr sz="2800"/>
-            </a:lvl1pPr>
-            <a:lvl2pPr>
-              <a:defRPr sz="2400"/>
-            </a:lvl2pPr>
-            <a:lvl3pPr>
-              <a:defRPr sz="2000"/>
-            </a:lvl3pPr>
-            <a:lvl4pPr>
-              <a:defRPr sz="1800"/>
-            </a:lvl4pPr>
-            <a:lvl5pPr>
-              <a:defRPr sz="1800"/>
-            </a:lvl5pPr>
-            <a:lvl6pPr>
-              <a:defRPr sz="1800"/>
-            </a:lvl6pPr>
-            <a:lvl7pPr>
-              <a:defRPr sz="1800"/>
-            </a:lvl7pPr>
-            <a:lvl8pPr>
-              <a:defRPr sz="1800"/>
-            </a:lvl8pPr>
-            <a:lvl9pPr>
-              <a:defRPr sz="1800"/>
-            </a:lvl9pPr>
-          </a:lstStyle>
+          <a:lstStyle/>
           <a:p>
             <a:pPr lvl="0"/>
             <a:r>
-              <a:rPr lang="zh-CN" altLang="en-US" smtClean="0"/>
-              <a:t>单击此处编辑母版文本样式</a:t>
+              <a:rPr lang="pt-BR" smtClean="0"/>
+              <a:t>Editar estilos de texto Mestre</a:t>
             </a:r>
           </a:p>
           <a:p>
             <a:pPr lvl="1"/>
             <a:r>
-              <a:rPr lang="zh-CN" altLang="en-US" smtClean="0"/>
-              <a:t>第二级</a:t>
+              <a:rPr lang="pt-BR" smtClean="0"/>
+              <a:t>Segundo nível</a:t>
             </a:r>
           </a:p>
           <a:p>
             <a:pPr lvl="2"/>
             <a:r>
-              <a:rPr lang="zh-CN" altLang="en-US" smtClean="0"/>
-              <a:t>第三级</a:t>
+              <a:rPr lang="pt-BR" smtClean="0"/>
+              <a:t>Terceiro nível</a:t>
             </a:r>
           </a:p>
           <a:p>
             <a:pPr lvl="3"/>
             <a:r>
-              <a:rPr lang="zh-CN" altLang="en-US" smtClean="0"/>
-              <a:t>第四级</a:t>
+              <a:rPr lang="pt-BR" smtClean="0"/>
+              <a:t>Quarto nível</a:t>
             </a:r>
           </a:p>
           <a:p>
             <a:pPr lvl="4"/>
             <a:r>
-              <a:rPr lang="zh-CN" altLang="en-US" smtClean="0"/>
-              <a:t>第五级</a:t>
-            </a:r>
-            <a:endParaRPr lang="zh-CN" altLang="en-US"/>
-          </a:p>
-        </p:txBody>
-      </p:sp>
-      <p:sp>
-        <p:nvSpPr>
-          <p:cNvPr id="4" name="内容占位符 3"/>
+              <a:rPr lang="pt-BR" smtClean="0"/>
+              <a:t>Quinto nível</a:t>
+            </a:r>
+            <a:endParaRPr lang="pt-BR"/>
+          </a:p>
+        </p:txBody>
+      </p:sp>
+      <p:sp>
+        <p:nvSpPr>
+          <p:cNvPr id="4" name="Espaço Reservado para Conteúdo 3"/>
           <p:cNvSpPr>
             <a:spLocks noGrp="1"/>
           </p:cNvSpPr>
@@ -1224,82 +1174,54 @@
         </p:nvSpPr>
         <p:spPr>
           <a:xfrm>
-            <a:off x="4648200" y="1600200"/>
-            <a:ext cx="4038600" cy="4525963"/>
+            <a:off x="6172200" y="1825625"/>
+            <a:ext cx="5181600" cy="4351338"/>
           </a:xfrm>
         </p:spPr>
         <p:txBody>
           <a:bodyPr/>
-          <a:lstStyle>
-            <a:lvl1pPr>
-              <a:defRPr sz="2800"/>
-            </a:lvl1pPr>
-            <a:lvl2pPr>
-              <a:defRPr sz="2400"/>
-            </a:lvl2pPr>
-            <a:lvl3pPr>
-              <a:defRPr sz="2000"/>
-            </a:lvl3pPr>
-            <a:lvl4pPr>
-              <a:defRPr sz="1800"/>
-            </a:lvl4pPr>
-            <a:lvl5pPr>
-              <a:defRPr sz="1800"/>
-            </a:lvl5pPr>
-            <a:lvl6pPr>
-              <a:defRPr sz="1800"/>
-            </a:lvl6pPr>
-            <a:lvl7pPr>
-              <a:defRPr sz="1800"/>
-            </a:lvl7pPr>
-            <a:lvl8pPr>
-              <a:defRPr sz="1800"/>
-            </a:lvl8pPr>
-            <a:lvl9pPr>
-              <a:defRPr sz="1800"/>
-            </a:lvl9pPr>
-          </a:lstStyle>
+          <a:lstStyle/>
           <a:p>
             <a:pPr lvl="0"/>
             <a:r>
-              <a:rPr lang="zh-CN" altLang="en-US" smtClean="0"/>
-              <a:t>单击此处编辑母版文本样式</a:t>
+              <a:rPr lang="pt-BR" smtClean="0"/>
+              <a:t>Editar estilos de texto Mestre</a:t>
             </a:r>
           </a:p>
           <a:p>
             <a:pPr lvl="1"/>
             <a:r>
-              <a:rPr lang="zh-CN" altLang="en-US" smtClean="0"/>
-              <a:t>第二级</a:t>
+              <a:rPr lang="pt-BR" smtClean="0"/>
+              <a:t>Segundo nível</a:t>
             </a:r>
           </a:p>
           <a:p>
             <a:pPr lvl="2"/>
             <a:r>
-              <a:rPr lang="zh-CN" altLang="en-US" smtClean="0"/>
-              <a:t>第三级</a:t>
+              <a:rPr lang="pt-BR" smtClean="0"/>
+              <a:t>Terceiro nível</a:t>
             </a:r>
           </a:p>
           <a:p>
             <a:pPr lvl="3"/>
             <a:r>
-              <a:rPr lang="zh-CN" altLang="en-US" smtClean="0"/>
-              <a:t>第四级</a:t>
+              <a:rPr lang="pt-BR" smtClean="0"/>
+              <a:t>Quarto nível</a:t>
             </a:r>
           </a:p>
           <a:p>
             <a:pPr lvl="4"/>
             <a:r>
-              <a:rPr lang="zh-CN" altLang="en-US" smtClean="0"/>
-              <a:t>第五级</a:t>
-            </a:r>
-            <a:endParaRPr lang="zh-CN" altLang="en-US"/>
-          </a:p>
-        </p:txBody>
-      </p:sp>
-      <p:sp>
-        <p:nvSpPr>
-          <p:cNvPr id="5" name="日期占位符 4"/>
+              <a:rPr lang="pt-BR" smtClean="0"/>
+              <a:t>Quinto nível</a:t>
+            </a:r>
+            <a:endParaRPr lang="pt-BR"/>
+          </a:p>
+        </p:txBody>
+      </p:sp>
+      <p:sp>
+        <p:nvSpPr>
+          <p:cNvPr id="5" name="Espaço Reservado para Data 4"/>
           <p:cNvSpPr>
             <a:spLocks noGrp="1"/>
           </p:cNvSpPr>
@@ -1312,17 +1234,17 @@
           <a:bodyPr/>
           <a:lstStyle/>
           <a:p>
-            <a:fld id="{530820CF-B880-4189-942D-D702A7CBA730}" type="datetimeFigureOut">
-              <a:rPr lang="zh-CN" altLang="en-US" smtClean="0"/>
-              <a:t>2006-9-7</a:t>
+            <a:fld id="{F3A711B5-2115-45C1-8945-4CD8CCC3DB36}" type="datetimeFigureOut">
+              <a:rPr lang="pt-BR" smtClean="0"/>
+              <a:t>26/02/2016</a:t>
             </a:fld>
-            <a:endParaRPr lang="zh-CN" altLang="en-US"/>
-          </a:p>
-        </p:txBody>
-      </p:sp>
-      <p:sp>
-        <p:nvSpPr>
-          <p:cNvPr id="6" name="页脚占位符 5"/>
+            <a:endParaRPr lang="pt-BR"/>
+          </a:p>
+        </p:txBody>
+      </p:sp>
+      <p:sp>
+        <p:nvSpPr>
+          <p:cNvPr id="6" name="Espaço Reservado para Rodapé 5"/>
           <p:cNvSpPr>
             <a:spLocks noGrp="1"/>
           </p:cNvSpPr>
@@ -1335,13 +1257,13 @@
           <a:bodyPr/>
           <a:lstStyle/>
           <a:p>
-            <a:endParaRPr lang="zh-CN" altLang="en-US"/>
-          </a:p>
-        </p:txBody>
-      </p:sp>
-      <p:sp>
-        <p:nvSpPr>
-          <p:cNvPr id="7" name="灯片编号占位符 6"/>
+            <a:endParaRPr lang="pt-BR"/>
+          </a:p>
+        </p:txBody>
+      </p:sp>
+      <p:sp>
+        <p:nvSpPr>
+          <p:cNvPr id="7" name="Espaço Reservado para Número de Slide 6"/>
           <p:cNvSpPr>
             <a:spLocks noGrp="1"/>
           </p:cNvSpPr>
@@ -1354,15 +1276,20 @@
           <a:bodyPr/>
           <a:lstStyle/>
           <a:p>
-            <a:fld id="{0C913308-F349-4B6D-A68A-DD1791B4A57B}" type="slidenum">
-              <a:rPr lang="zh-CN" altLang="en-US" smtClean="0"/>
-              <a:t>‹#›</a:t>
+            <a:fld id="{CD179989-2F28-4935-9FD0-F71FBA1F1C24}" type="slidenum">
+              <a:rPr lang="pt-BR" smtClean="0"/>
+              <a:t>‹nº›</a:t>
             </a:fld>
-            <a:endParaRPr lang="zh-CN" altLang="en-US"/>
+            <a:endParaRPr lang="pt-BR"/>
           </a:p>
         </p:txBody>
       </p:sp>
     </p:spTree>
+    <p:extLst>
+      <p:ext uri="{BB962C8B-B14F-4D97-AF65-F5344CB8AC3E}">
+        <p14:creationId xmlns:p14="http://schemas.microsoft.com/office/powerpoint/2010/main" val="3236734485"/>
+      </p:ext>
+    </p:extLst>
   </p:cSld>
   <p:clrMapOvr>
     <a:masterClrMapping/>
@@ -1372,7 +1299,7 @@
 
 <file path=ppt/slideLayouts/slideLayout5.xml><?xml version="1.0" encoding="utf-8"?>
 <p:sldLayout xmlns:a="http://schemas.openxmlformats.org/drawingml/2006/main" xmlns:r="http://schemas.openxmlformats.org/officeDocument/2006/relationships" xmlns:p="http://schemas.openxmlformats.org/presentationml/2006/main" type="twoTxTwoObj" preserve="1">
-  <p:cSld name="比较">
+  <p:cSld name="Comparação">
     <p:spTree>
       <p:nvGrpSpPr>
         <p:cNvPr id="1" name=""/>
@@ -1389,45 +1316,46 @@
       </p:grpSpPr>
       <p:sp>
         <p:nvSpPr>
-          <p:cNvPr id="2" name="标题 1"/>
+          <p:cNvPr id="2" name="Título 1"/>
           <p:cNvSpPr>
             <a:spLocks noGrp="1"/>
           </p:cNvSpPr>
           <p:nvPr>
             <p:ph type="title"/>
-          </p:nvPr>
-        </p:nvSpPr>
-        <p:spPr/>
-        <p:txBody>
-          <a:bodyPr/>
-          <a:lstStyle>
-            <a:lvl1pPr>
-              <a:defRPr/>
-            </a:lvl1pPr>
-          </a:lstStyle>
-          <a:p>
-            <a:r>
-              <a:rPr lang="zh-CN" altLang="en-US" smtClean="0"/>
-              <a:t>单击此处编辑母版标题样式</a:t>
-            </a:r>
-            <a:endParaRPr lang="zh-CN" altLang="en-US"/>
-          </a:p>
-        </p:txBody>
-      </p:sp>
-      <p:sp>
-        <p:nvSpPr>
-          <p:cNvPr id="3" name="文本占位符 2"/>
-          <p:cNvSpPr>
-            <a:spLocks noGrp="1"/>
-          </p:cNvSpPr>
-          <p:nvPr>
-            <p:ph type="body" idx="1"/>
           </p:nvPr>
         </p:nvSpPr>
         <p:spPr>
           <a:xfrm>
-            <a:off x="457200" y="1535113"/>
-            <a:ext cx="4040188" cy="639762"/>
+            <a:off x="839788" y="365125"/>
+            <a:ext cx="10515600" cy="1325563"/>
+          </a:xfrm>
+        </p:spPr>
+        <p:txBody>
+          <a:bodyPr/>
+          <a:lstStyle/>
+          <a:p>
+            <a:r>
+              <a:rPr lang="pt-BR" smtClean="0"/>
+              <a:t>Clique para editar o título mestre</a:t>
+            </a:r>
+            <a:endParaRPr lang="pt-BR"/>
+          </a:p>
+        </p:txBody>
+      </p:sp>
+      <p:sp>
+        <p:nvSpPr>
+          <p:cNvPr id="3" name="Espaço Reservado para Texto 2"/>
+          <p:cNvSpPr>
+            <a:spLocks noGrp="1"/>
+          </p:cNvSpPr>
+          <p:nvPr>
+            <p:ph type="body" idx="1"/>
+          </p:nvPr>
+        </p:nvSpPr>
+        <p:spPr>
+          <a:xfrm>
+            <a:off x="839788" y="1681163"/>
+            <a:ext cx="5157787" cy="823912"/>
           </a:xfrm>
         </p:spPr>
         <p:txBody>
@@ -1473,15 +1401,15 @@
           <a:p>
             <a:pPr lvl="0"/>
             <a:r>
-              <a:rPr lang="zh-CN" altLang="en-US" smtClean="0"/>
-              <a:t>单击此处编辑母版文本样式</a:t>
-            </a:r>
-          </a:p>
-        </p:txBody>
-      </p:sp>
-      <p:sp>
-        <p:nvSpPr>
-          <p:cNvPr id="4" name="内容占位符 3"/>
+              <a:rPr lang="pt-BR" smtClean="0"/>
+              <a:t>Editar estilos de texto Mestre</a:t>
+            </a:r>
+          </a:p>
+        </p:txBody>
+      </p:sp>
+      <p:sp>
+        <p:nvSpPr>
+          <p:cNvPr id="4" name="Espaço Reservado para Conteúdo 3"/>
           <p:cNvSpPr>
             <a:spLocks noGrp="1"/>
           </p:cNvSpPr>
@@ -1491,82 +1419,54 @@
         </p:nvSpPr>
         <p:spPr>
           <a:xfrm>
-            <a:off x="457200" y="2174875"/>
-            <a:ext cx="4040188" cy="3951288"/>
+            <a:off x="839788" y="2505075"/>
+            <a:ext cx="5157787" cy="3684588"/>
           </a:xfrm>
         </p:spPr>
         <p:txBody>
           <a:bodyPr/>
-          <a:lstStyle>
-            <a:lvl1pPr>
-              <a:defRPr sz="2400"/>
-            </a:lvl1pPr>
-            <a:lvl2pPr>
-              <a:defRPr sz="2000"/>
-            </a:lvl2pPr>
-            <a:lvl3pPr>
-              <a:defRPr sz="1800"/>
-            </a:lvl3pPr>
-            <a:lvl4pPr>
-              <a:defRPr sz="1600"/>
-            </a:lvl4pPr>
-            <a:lvl5pPr>
-              <a:defRPr sz="1600"/>
-            </a:lvl5pPr>
-            <a:lvl6pPr>
-              <a:defRPr sz="1600"/>
-            </a:lvl6pPr>
-            <a:lvl7pPr>
-              <a:defRPr sz="1600"/>
-            </a:lvl7pPr>
-            <a:lvl8pPr>
-              <a:defRPr sz="1600"/>
-            </a:lvl8pPr>
-            <a:lvl9pPr>
-              <a:defRPr sz="1600"/>
-            </a:lvl9pPr>
-          </a:lstStyle>
+          <a:lstStyle/>
           <a:p>
             <a:pPr lvl="0"/>
             <a:r>
-              <a:rPr lang="zh-CN" altLang="en-US" smtClean="0"/>
-              <a:t>单击此处编辑母版文本样式</a:t>
+              <a:rPr lang="pt-BR" smtClean="0"/>
+              <a:t>Editar estilos de texto Mestre</a:t>
             </a:r>
           </a:p>
           <a:p>
             <a:pPr lvl="1"/>
             <a:r>
-              <a:rPr lang="zh-CN" altLang="en-US" smtClean="0"/>
-              <a:t>第二级</a:t>
+              <a:rPr lang="pt-BR" smtClean="0"/>
+              <a:t>Segundo nível</a:t>
             </a:r>
           </a:p>
           <a:p>
             <a:pPr lvl="2"/>
             <a:r>
-              <a:rPr lang="zh-CN" altLang="en-US" smtClean="0"/>
-              <a:t>第三级</a:t>
+              <a:rPr lang="pt-BR" smtClean="0"/>
+              <a:t>Terceiro nível</a:t>
             </a:r>
           </a:p>
           <a:p>
             <a:pPr lvl="3"/>
             <a:r>
-              <a:rPr lang="zh-CN" altLang="en-US" smtClean="0"/>
-              <a:t>第四级</a:t>
+              <a:rPr lang="pt-BR" smtClean="0"/>
+              <a:t>Quarto nível</a:t>
             </a:r>
           </a:p>
           <a:p>
             <a:pPr lvl="4"/>
             <a:r>
-              <a:rPr lang="zh-CN" altLang="en-US" smtClean="0"/>
-              <a:t>第五级</a:t>
-            </a:r>
-            <a:endParaRPr lang="zh-CN" altLang="en-US"/>
-          </a:p>
-        </p:txBody>
-      </p:sp>
-      <p:sp>
-        <p:nvSpPr>
-          <p:cNvPr id="5" name="文本占位符 4"/>
+              <a:rPr lang="pt-BR" smtClean="0"/>
+              <a:t>Quinto nível</a:t>
+            </a:r>
+            <a:endParaRPr lang="pt-BR"/>
+          </a:p>
+        </p:txBody>
+      </p:sp>
+      <p:sp>
+        <p:nvSpPr>
+          <p:cNvPr id="5" name="Espaço Reservado para Texto 4"/>
           <p:cNvSpPr>
             <a:spLocks noGrp="1"/>
           </p:cNvSpPr>
@@ -1576,8 +1476,8 @@
         </p:nvSpPr>
         <p:spPr>
           <a:xfrm>
-            <a:off x="4645025" y="1535113"/>
-            <a:ext cx="4041775" cy="639762"/>
+            <a:off x="6172200" y="1681163"/>
+            <a:ext cx="5183188" cy="823912"/>
           </a:xfrm>
         </p:spPr>
         <p:txBody>
@@ -1623,15 +1523,15 @@
           <a:p>
             <a:pPr lvl="0"/>
             <a:r>
-              <a:rPr lang="zh-CN" altLang="en-US" smtClean="0"/>
-              <a:t>单击此处编辑母版文本样式</a:t>
-            </a:r>
-          </a:p>
-        </p:txBody>
-      </p:sp>
-      <p:sp>
-        <p:nvSpPr>
-          <p:cNvPr id="6" name="内容占位符 5"/>
+              <a:rPr lang="pt-BR" smtClean="0"/>
+              <a:t>Editar estilos de texto Mestre</a:t>
+            </a:r>
+          </a:p>
+        </p:txBody>
+      </p:sp>
+      <p:sp>
+        <p:nvSpPr>
+          <p:cNvPr id="6" name="Espaço Reservado para Conteúdo 5"/>
           <p:cNvSpPr>
             <a:spLocks noGrp="1"/>
           </p:cNvSpPr>
@@ -1641,82 +1541,54 @@
         </p:nvSpPr>
         <p:spPr>
           <a:xfrm>
-            <a:off x="4645025" y="2174875"/>
-            <a:ext cx="4041775" cy="3951288"/>
+            <a:off x="6172200" y="2505075"/>
+            <a:ext cx="5183188" cy="3684588"/>
           </a:xfrm>
         </p:spPr>
         <p:txBody>
           <a:bodyPr/>
-          <a:lstStyle>
-            <a:lvl1pPr>
-              <a:defRPr sz="2400"/>
-            </a:lvl1pPr>
-            <a:lvl2pPr>
-              <a:defRPr sz="2000"/>
-            </a:lvl2pPr>
-            <a:lvl3pPr>
-              <a:defRPr sz="1800"/>
-            </a:lvl3pPr>
-            <a:lvl4pPr>
-              <a:defRPr sz="1600"/>
-            </a:lvl4pPr>
-            <a:lvl5pPr>
-              <a:defRPr sz="1600"/>
-            </a:lvl5pPr>
-            <a:lvl6pPr>
-              <a:defRPr sz="1600"/>
-            </a:lvl6pPr>
-            <a:lvl7pPr>
-              <a:defRPr sz="1600"/>
-            </a:lvl7pPr>
-            <a:lvl8pPr>
-              <a:defRPr sz="1600"/>
-            </a:lvl8pPr>
-            <a:lvl9pPr>
-              <a:defRPr sz="1600"/>
-            </a:lvl9pPr>
-          </a:lstStyle>
+          <a:lstStyle/>
           <a:p>
             <a:pPr lvl="0"/>
             <a:r>
-              <a:rPr lang="zh-CN" altLang="en-US" smtClean="0"/>
-              <a:t>单击此处编辑母版文本样式</a:t>
+              <a:rPr lang="pt-BR" smtClean="0"/>
+              <a:t>Editar estilos de texto Mestre</a:t>
             </a:r>
           </a:p>
           <a:p>
             <a:pPr lvl="1"/>
             <a:r>
-              <a:rPr lang="zh-CN" altLang="en-US" smtClean="0"/>
-              <a:t>第二级</a:t>
+              <a:rPr lang="pt-BR" smtClean="0"/>
+              <a:t>Segundo nível</a:t>
             </a:r>
           </a:p>
           <a:p>
             <a:pPr lvl="2"/>
             <a:r>
-              <a:rPr lang="zh-CN" altLang="en-US" smtClean="0"/>
-              <a:t>第三级</a:t>
+              <a:rPr lang="pt-BR" smtClean="0"/>
+              <a:t>Terceiro nível</a:t>
             </a:r>
           </a:p>
           <a:p>
             <a:pPr lvl="3"/>
             <a:r>
-              <a:rPr lang="zh-CN" altLang="en-US" smtClean="0"/>
-              <a:t>第四级</a:t>
+              <a:rPr lang="pt-BR" smtClean="0"/>
+              <a:t>Quarto nível</a:t>
             </a:r>
           </a:p>
           <a:p>
             <a:pPr lvl="4"/>
             <a:r>
-              <a:rPr lang="zh-CN" altLang="en-US" smtClean="0"/>
-              <a:t>第五级</a:t>
-            </a:r>
-            <a:endParaRPr lang="zh-CN" altLang="en-US"/>
-          </a:p>
-        </p:txBody>
-      </p:sp>
-      <p:sp>
-        <p:nvSpPr>
-          <p:cNvPr id="7" name="日期占位符 6"/>
+              <a:rPr lang="pt-BR" smtClean="0"/>
+              <a:t>Quinto nível</a:t>
+            </a:r>
+            <a:endParaRPr lang="pt-BR"/>
+          </a:p>
+        </p:txBody>
+      </p:sp>
+      <p:sp>
+        <p:nvSpPr>
+          <p:cNvPr id="7" name="Espaço Reservado para Data 6"/>
           <p:cNvSpPr>
             <a:spLocks noGrp="1"/>
           </p:cNvSpPr>
@@ -1729,17 +1601,17 @@
           <a:bodyPr/>
           <a:lstStyle/>
           <a:p>
-            <a:fld id="{530820CF-B880-4189-942D-D702A7CBA730}" type="datetimeFigureOut">
-              <a:rPr lang="zh-CN" altLang="en-US" smtClean="0"/>
-              <a:t>2006-9-7</a:t>
+            <a:fld id="{F3A711B5-2115-45C1-8945-4CD8CCC3DB36}" type="datetimeFigureOut">
+              <a:rPr lang="pt-BR" smtClean="0"/>
+              <a:t>26/02/2016</a:t>
             </a:fld>
-            <a:endParaRPr lang="zh-CN" altLang="en-US"/>
-          </a:p>
-        </p:txBody>
-      </p:sp>
-      <p:sp>
-        <p:nvSpPr>
-          <p:cNvPr id="8" name="页脚占位符 7"/>
+            <a:endParaRPr lang="pt-BR"/>
+          </a:p>
+        </p:txBody>
+      </p:sp>
+      <p:sp>
+        <p:nvSpPr>
+          <p:cNvPr id="8" name="Espaço Reservado para Rodapé 7"/>
           <p:cNvSpPr>
             <a:spLocks noGrp="1"/>
           </p:cNvSpPr>
@@ -1752,13 +1624,13 @@
           <a:bodyPr/>
           <a:lstStyle/>
           <a:p>
-            <a:endParaRPr lang="zh-CN" altLang="en-US"/>
-          </a:p>
-        </p:txBody>
-      </p:sp>
-      <p:sp>
-        <p:nvSpPr>
-          <p:cNvPr id="9" name="灯片编号占位符 8"/>
+            <a:endParaRPr lang="pt-BR"/>
+          </a:p>
+        </p:txBody>
+      </p:sp>
+      <p:sp>
+        <p:nvSpPr>
+          <p:cNvPr id="9" name="Espaço Reservado para Número de Slide 8"/>
           <p:cNvSpPr>
             <a:spLocks noGrp="1"/>
           </p:cNvSpPr>
@@ -1771,15 +1643,20 @@
           <a:bodyPr/>
           <a:lstStyle/>
           <a:p>
-            <a:fld id="{0C913308-F349-4B6D-A68A-DD1791B4A57B}" type="slidenum">
-              <a:rPr lang="zh-CN" altLang="en-US" smtClean="0"/>
-              <a:t>‹#›</a:t>
+            <a:fld id="{CD179989-2F28-4935-9FD0-F71FBA1F1C24}" type="slidenum">
+              <a:rPr lang="pt-BR" smtClean="0"/>
+              <a:t>‹nº›</a:t>
             </a:fld>
-            <a:endParaRPr lang="zh-CN" altLang="en-US"/>
+            <a:endParaRPr lang="pt-BR"/>
           </a:p>
         </p:txBody>
       </p:sp>
     </p:spTree>
+    <p:extLst>
+      <p:ext uri="{BB962C8B-B14F-4D97-AF65-F5344CB8AC3E}">
+        <p14:creationId xmlns:p14="http://schemas.microsoft.com/office/powerpoint/2010/main" val="2799611795"/>
+      </p:ext>
+    </p:extLst>
   </p:cSld>
   <p:clrMapOvr>
     <a:masterClrMapping/>
@@ -1789,7 +1666,7 @@
 
 <file path=ppt/slideLayouts/slideLayout6.xml><?xml version="1.0" encoding="utf-8"?>
 <p:sldLayout xmlns:a="http://schemas.openxmlformats.org/drawingml/2006/main" xmlns:r="http://schemas.openxmlformats.org/officeDocument/2006/relationships" xmlns:p="http://schemas.openxmlformats.org/presentationml/2006/main" type="titleOnly" preserve="1">
-  <p:cSld name="仅标题">
+  <p:cSld name="Somente Título">
     <p:spTree>
       <p:nvGrpSpPr>
         <p:cNvPr id="1" name=""/>
@@ -1806,7 +1683,7 @@
       </p:grpSpPr>
       <p:sp>
         <p:nvSpPr>
-          <p:cNvPr id="2" name="标题 1"/>
+          <p:cNvPr id="2" name="Título 1"/>
           <p:cNvSpPr>
             <a:spLocks noGrp="1"/>
           </p:cNvSpPr>
@@ -1820,16 +1697,16 @@
           <a:lstStyle/>
           <a:p>
             <a:r>
-              <a:rPr lang="zh-CN" altLang="en-US" smtClean="0"/>
-              <a:t>单击此处编辑母版标题样式</a:t>
-            </a:r>
-            <a:endParaRPr lang="zh-CN" altLang="en-US"/>
-          </a:p>
-        </p:txBody>
-      </p:sp>
-      <p:sp>
-        <p:nvSpPr>
-          <p:cNvPr id="3" name="日期占位符 2"/>
+              <a:rPr lang="pt-BR" smtClean="0"/>
+              <a:t>Clique para editar o título mestre</a:t>
+            </a:r>
+            <a:endParaRPr lang="pt-BR"/>
+          </a:p>
+        </p:txBody>
+      </p:sp>
+      <p:sp>
+        <p:nvSpPr>
+          <p:cNvPr id="3" name="Espaço Reservado para Data 2"/>
           <p:cNvSpPr>
             <a:spLocks noGrp="1"/>
           </p:cNvSpPr>
@@ -1842,17 +1719,17 @@
           <a:bodyPr/>
           <a:lstStyle/>
           <a:p>
-            <a:fld id="{530820CF-B880-4189-942D-D702A7CBA730}" type="datetimeFigureOut">
-              <a:rPr lang="zh-CN" altLang="en-US" smtClean="0"/>
-              <a:t>2006-9-7</a:t>
+            <a:fld id="{F3A711B5-2115-45C1-8945-4CD8CCC3DB36}" type="datetimeFigureOut">
+              <a:rPr lang="pt-BR" smtClean="0"/>
+              <a:t>26/02/2016</a:t>
             </a:fld>
-            <a:endParaRPr lang="zh-CN" altLang="en-US"/>
-          </a:p>
-        </p:txBody>
-      </p:sp>
-      <p:sp>
-        <p:nvSpPr>
-          <p:cNvPr id="4" name="页脚占位符 3"/>
+            <a:endParaRPr lang="pt-BR"/>
+          </a:p>
+        </p:txBody>
+      </p:sp>
+      <p:sp>
+        <p:nvSpPr>
+          <p:cNvPr id="4" name="Espaço Reservado para Rodapé 3"/>
           <p:cNvSpPr>
             <a:spLocks noGrp="1"/>
           </p:cNvSpPr>
@@ -1865,13 +1742,13 @@
           <a:bodyPr/>
           <a:lstStyle/>
           <a:p>
-            <a:endParaRPr lang="zh-CN" altLang="en-US"/>
-          </a:p>
-        </p:txBody>
-      </p:sp>
-      <p:sp>
-        <p:nvSpPr>
-          <p:cNvPr id="5" name="灯片编号占位符 4"/>
+            <a:endParaRPr lang="pt-BR"/>
+          </a:p>
+        </p:txBody>
+      </p:sp>
+      <p:sp>
+        <p:nvSpPr>
+          <p:cNvPr id="5" name="Espaço Reservado para Número de Slide 4"/>
           <p:cNvSpPr>
             <a:spLocks noGrp="1"/>
           </p:cNvSpPr>
@@ -1884,15 +1761,20 @@
           <a:bodyPr/>
           <a:lstStyle/>
           <a:p>
-            <a:fld id="{0C913308-F349-4B6D-A68A-DD1791B4A57B}" type="slidenum">
-              <a:rPr lang="zh-CN" altLang="en-US" smtClean="0"/>
-              <a:t>‹#›</a:t>
+            <a:fld id="{CD179989-2F28-4935-9FD0-F71FBA1F1C24}" type="slidenum">
+              <a:rPr lang="pt-BR" smtClean="0"/>
+              <a:t>‹nº›</a:t>
             </a:fld>
-            <a:endParaRPr lang="zh-CN" altLang="en-US"/>
+            <a:endParaRPr lang="pt-BR"/>
           </a:p>
         </p:txBody>
       </p:sp>
     </p:spTree>
+    <p:extLst>
+      <p:ext uri="{BB962C8B-B14F-4D97-AF65-F5344CB8AC3E}">
+        <p14:creationId xmlns:p14="http://schemas.microsoft.com/office/powerpoint/2010/main" val="148117532"/>
+      </p:ext>
+    </p:extLst>
   </p:cSld>
   <p:clrMapOvr>
     <a:masterClrMapping/>
@@ -1902,7 +1784,7 @@
 
 <file path=ppt/slideLayouts/slideLayout7.xml><?xml version="1.0" encoding="utf-8"?>
 <p:sldLayout xmlns:a="http://schemas.openxmlformats.org/drawingml/2006/main" xmlns:r="http://schemas.openxmlformats.org/officeDocument/2006/relationships" xmlns:p="http://schemas.openxmlformats.org/presentationml/2006/main" type="blank" preserve="1">
-  <p:cSld name="空白">
+  <p:cSld name="Em branco">
     <p:spTree>
       <p:nvGrpSpPr>
         <p:cNvPr id="1" name=""/>
@@ -1919,7 +1801,7 @@
       </p:grpSpPr>
       <p:sp>
         <p:nvSpPr>
-          <p:cNvPr id="2" name="日期占位符 1"/>
+          <p:cNvPr id="2" name="Espaço Reservado para Data 1"/>
           <p:cNvSpPr>
             <a:spLocks noGrp="1"/>
           </p:cNvSpPr>
@@ -1932,17 +1814,17 @@
           <a:bodyPr/>
           <a:lstStyle/>
           <a:p>
-            <a:fld id="{530820CF-B880-4189-942D-D702A7CBA730}" type="datetimeFigureOut">
-              <a:rPr lang="zh-CN" altLang="en-US" smtClean="0"/>
-              <a:t>2006-9-7</a:t>
+            <a:fld id="{F3A711B5-2115-45C1-8945-4CD8CCC3DB36}" type="datetimeFigureOut">
+              <a:rPr lang="pt-BR" smtClean="0"/>
+              <a:t>26/02/2016</a:t>
             </a:fld>
-            <a:endParaRPr lang="zh-CN" altLang="en-US"/>
-          </a:p>
-        </p:txBody>
-      </p:sp>
-      <p:sp>
-        <p:nvSpPr>
-          <p:cNvPr id="3" name="页脚占位符 2"/>
+            <a:endParaRPr lang="pt-BR"/>
+          </a:p>
+        </p:txBody>
+      </p:sp>
+      <p:sp>
+        <p:nvSpPr>
+          <p:cNvPr id="3" name="Espaço Reservado para Rodapé 2"/>
           <p:cNvSpPr>
             <a:spLocks noGrp="1"/>
           </p:cNvSpPr>
@@ -1955,13 +1837,13 @@
           <a:bodyPr/>
           <a:lstStyle/>
           <a:p>
-            <a:endParaRPr lang="zh-CN" altLang="en-US"/>
-          </a:p>
-        </p:txBody>
-      </p:sp>
-      <p:sp>
-        <p:nvSpPr>
-          <p:cNvPr id="4" name="灯片编号占位符 3"/>
+            <a:endParaRPr lang="pt-BR"/>
+          </a:p>
+        </p:txBody>
+      </p:sp>
+      <p:sp>
+        <p:nvSpPr>
+          <p:cNvPr id="4" name="Espaço Reservado para Número de Slide 3"/>
           <p:cNvSpPr>
             <a:spLocks noGrp="1"/>
           </p:cNvSpPr>
@@ -1974,15 +1856,20 @@
           <a:bodyPr/>
           <a:lstStyle/>
           <a:p>
-            <a:fld id="{0C913308-F349-4B6D-A68A-DD1791B4A57B}" type="slidenum">
-              <a:rPr lang="zh-CN" altLang="en-US" smtClean="0"/>
-              <a:t>‹#›</a:t>
+            <a:fld id="{CD179989-2F28-4935-9FD0-F71FBA1F1C24}" type="slidenum">
+              <a:rPr lang="pt-BR" smtClean="0"/>
+              <a:t>‹nº›</a:t>
             </a:fld>
-            <a:endParaRPr lang="zh-CN" altLang="en-US"/>
+            <a:endParaRPr lang="pt-BR"/>
           </a:p>
         </p:txBody>
       </p:sp>
     </p:spTree>
+    <p:extLst>
+      <p:ext uri="{BB962C8B-B14F-4D97-AF65-F5344CB8AC3E}">
+        <p14:creationId xmlns:p14="http://schemas.microsoft.com/office/powerpoint/2010/main" val="287410288"/>
+      </p:ext>
+    </p:extLst>
   </p:cSld>
   <p:clrMapOvr>
     <a:masterClrMapping/>
@@ -1992,7 +1879,7 @@
 
 <file path=ppt/slideLayouts/slideLayout8.xml><?xml version="1.0" encoding="utf-8"?>
 <p:sldLayout xmlns:a="http://schemas.openxmlformats.org/drawingml/2006/main" xmlns:r="http://schemas.openxmlformats.org/officeDocument/2006/relationships" xmlns:p="http://schemas.openxmlformats.org/presentationml/2006/main" type="objTx" preserve="1">
-  <p:cSld name="内容与标题">
+  <p:cSld name="Conteúdo com Legenda">
     <p:spTree>
       <p:nvGrpSpPr>
         <p:cNvPr id="1" name=""/>
@@ -2009,7 +1896,7 @@
       </p:grpSpPr>
       <p:sp>
         <p:nvSpPr>
-          <p:cNvPr id="2" name="标题 1"/>
+          <p:cNvPr id="2" name="Título 1"/>
           <p:cNvSpPr>
             <a:spLocks noGrp="1"/>
           </p:cNvSpPr>
@@ -2019,29 +1906,29 @@
         </p:nvSpPr>
         <p:spPr>
           <a:xfrm>
-            <a:off x="457200" y="273050"/>
-            <a:ext cx="3008313" cy="1162050"/>
+            <a:off x="839788" y="457200"/>
+            <a:ext cx="3932237" cy="1600200"/>
           </a:xfrm>
         </p:spPr>
         <p:txBody>
           <a:bodyPr anchor="b"/>
           <a:lstStyle>
-            <a:lvl1pPr algn="l">
-              <a:defRPr sz="2000" b="1"/>
+            <a:lvl1pPr>
+              <a:defRPr sz="3200"/>
             </a:lvl1pPr>
           </a:lstStyle>
           <a:p>
             <a:r>
-              <a:rPr lang="zh-CN" altLang="en-US" smtClean="0"/>
-              <a:t>单击此处编辑母版标题样式</a:t>
-            </a:r>
-            <a:endParaRPr lang="zh-CN" altLang="en-US"/>
-          </a:p>
-        </p:txBody>
-      </p:sp>
-      <p:sp>
-        <p:nvSpPr>
-          <p:cNvPr id="3" name="内容占位符 2"/>
+              <a:rPr lang="pt-BR" smtClean="0"/>
+              <a:t>Clique para editar o título mestre</a:t>
+            </a:r>
+            <a:endParaRPr lang="pt-BR"/>
+          </a:p>
+        </p:txBody>
+      </p:sp>
+      <p:sp>
+        <p:nvSpPr>
+          <p:cNvPr id="3" name="Espaço Reservado para Conteúdo 2"/>
           <p:cNvSpPr>
             <a:spLocks noGrp="1"/>
           </p:cNvSpPr>
@@ -2051,8 +1938,8 @@
         </p:nvSpPr>
         <p:spPr>
           <a:xfrm>
-            <a:off x="3575050" y="273050"/>
-            <a:ext cx="5111750" cy="5853113"/>
+            <a:off x="5183188" y="987425"/>
+            <a:ext cx="6172200" cy="4873625"/>
           </a:xfrm>
         </p:spPr>
         <p:txBody>
@@ -2089,44 +1976,44 @@
           <a:p>
             <a:pPr lvl="0"/>
             <a:r>
-              <a:rPr lang="zh-CN" altLang="en-US" smtClean="0"/>
-              <a:t>单击此处编辑母版文本样式</a:t>
+              <a:rPr lang="pt-BR" smtClean="0"/>
+              <a:t>Editar estilos de texto Mestre</a:t>
             </a:r>
           </a:p>
           <a:p>
             <a:pPr lvl="1"/>
             <a:r>
-              <a:rPr lang="zh-CN" altLang="en-US" smtClean="0"/>
-              <a:t>第二级</a:t>
+              <a:rPr lang="pt-BR" smtClean="0"/>
+              <a:t>Segundo nível</a:t>
             </a:r>
           </a:p>
           <a:p>
             <a:pPr lvl="2"/>
             <a:r>
-              <a:rPr lang="zh-CN" altLang="en-US" smtClean="0"/>
-              <a:t>第三级</a:t>
+              <a:rPr lang="pt-BR" smtClean="0"/>
+              <a:t>Terceiro nível</a:t>
             </a:r>
           </a:p>
           <a:p>
             <a:pPr lvl="3"/>
             <a:r>
-              <a:rPr lang="zh-CN" altLang="en-US" smtClean="0"/>
-              <a:t>第四级</a:t>
+              <a:rPr lang="pt-BR" smtClean="0"/>
+              <a:t>Quarto nível</a:t>
             </a:r>
           </a:p>
           <a:p>
             <a:pPr lvl="4"/>
             <a:r>
-              <a:rPr lang="zh-CN" altLang="en-US" smtClean="0"/>
-              <a:t>第五级</a:t>
-            </a:r>
-            <a:endParaRPr lang="zh-CN" altLang="en-US"/>
-          </a:p>
-        </p:txBody>
-      </p:sp>
-      <p:sp>
-        <p:nvSpPr>
-          <p:cNvPr id="4" name="文本占位符 3"/>
+              <a:rPr lang="pt-BR" smtClean="0"/>
+              <a:t>Quinto nível</a:t>
+            </a:r>
+            <a:endParaRPr lang="pt-BR"/>
+          </a:p>
+        </p:txBody>
+      </p:sp>
+      <p:sp>
+        <p:nvSpPr>
+          <p:cNvPr id="4" name="Espaço Reservado para Texto 3"/>
           <p:cNvSpPr>
             <a:spLocks noGrp="1"/>
           </p:cNvSpPr>
@@ -2136,8 +2023,8 @@
         </p:nvSpPr>
         <p:spPr>
           <a:xfrm>
-            <a:off x="457200" y="1435100"/>
-            <a:ext cx="3008313" cy="4691063"/>
+            <a:off x="839788" y="2057400"/>
+            <a:ext cx="3932237" cy="3811588"/>
           </a:xfrm>
         </p:spPr>
         <p:txBody>
@@ -2145,53 +2032,53 @@
           <a:lstStyle>
             <a:lvl1pPr marL="0" indent="0">
               <a:buNone/>
-              <a:defRPr sz="1400"/>
+              <a:defRPr sz="1600"/>
             </a:lvl1pPr>
             <a:lvl2pPr marL="457200" indent="0">
               <a:buNone/>
-              <a:defRPr sz="1200"/>
+              <a:defRPr sz="1400"/>
             </a:lvl2pPr>
             <a:lvl3pPr marL="914400" indent="0">
               <a:buNone/>
-              <a:defRPr sz="1000"/>
+              <a:defRPr sz="1200"/>
             </a:lvl3pPr>
             <a:lvl4pPr marL="1371600" indent="0">
               <a:buNone/>
-              <a:defRPr sz="900"/>
+              <a:defRPr sz="1000"/>
             </a:lvl4pPr>
             <a:lvl5pPr marL="1828800" indent="0">
               <a:buNone/>
-              <a:defRPr sz="900"/>
+              <a:defRPr sz="1000"/>
             </a:lvl5pPr>
             <a:lvl6pPr marL="2286000" indent="0">
               <a:buNone/>
-              <a:defRPr sz="900"/>
+              <a:defRPr sz="1000"/>
             </a:lvl6pPr>
             <a:lvl7pPr marL="2743200" indent="0">
               <a:buNone/>
-              <a:defRPr sz="900"/>
+              <a:defRPr sz="1000"/>
             </a:lvl7pPr>
             <a:lvl8pPr marL="3200400" indent="0">
               <a:buNone/>
-              <a:defRPr sz="900"/>
+              <a:defRPr sz="1000"/>
             </a:lvl8pPr>
             <a:lvl9pPr marL="3657600" indent="0">
               <a:buNone/>
-              <a:defRPr sz="900"/>
+              <a:defRPr sz="1000"/>
             </a:lvl9pPr>
           </a:lstStyle>
           <a:p>
             <a:pPr lvl="0"/>
             <a:r>
-              <a:rPr lang="zh-CN" altLang="en-US" smtClean="0"/>
-              <a:t>单击此处编辑母版文本样式</a:t>
-            </a:r>
-          </a:p>
-        </p:txBody>
-      </p:sp>
-      <p:sp>
-        <p:nvSpPr>
-          <p:cNvPr id="5" name="日期占位符 4"/>
+              <a:rPr lang="pt-BR" smtClean="0"/>
+              <a:t>Editar estilos de texto Mestre</a:t>
+            </a:r>
+          </a:p>
+        </p:txBody>
+      </p:sp>
+      <p:sp>
+        <p:nvSpPr>
+          <p:cNvPr id="5" name="Espaço Reservado para Data 4"/>
           <p:cNvSpPr>
             <a:spLocks noGrp="1"/>
           </p:cNvSpPr>
@@ -2204,17 +2091,17 @@
           <a:bodyPr/>
           <a:lstStyle/>
           <a:p>
-            <a:fld id="{530820CF-B880-4189-942D-D702A7CBA730}" type="datetimeFigureOut">
-              <a:rPr lang="zh-CN" altLang="en-US" smtClean="0"/>
-              <a:t>2006-9-7</a:t>
+            <a:fld id="{F3A711B5-2115-45C1-8945-4CD8CCC3DB36}" type="datetimeFigureOut">
+              <a:rPr lang="pt-BR" smtClean="0"/>
+              <a:t>26/02/2016</a:t>
             </a:fld>
-            <a:endParaRPr lang="zh-CN" altLang="en-US"/>
-          </a:p>
-        </p:txBody>
-      </p:sp>
-      <p:sp>
-        <p:nvSpPr>
-          <p:cNvPr id="6" name="页脚占位符 5"/>
+            <a:endParaRPr lang="pt-BR"/>
+          </a:p>
+        </p:txBody>
+      </p:sp>
+      <p:sp>
+        <p:nvSpPr>
+          <p:cNvPr id="6" name="Espaço Reservado para Rodapé 5"/>
           <p:cNvSpPr>
             <a:spLocks noGrp="1"/>
           </p:cNvSpPr>
@@ -2227,13 +2114,13 @@
           <a:bodyPr/>
           <a:lstStyle/>
           <a:p>
-            <a:endParaRPr lang="zh-CN" altLang="en-US"/>
-          </a:p>
-        </p:txBody>
-      </p:sp>
-      <p:sp>
-        <p:nvSpPr>
-          <p:cNvPr id="7" name="灯片编号占位符 6"/>
+            <a:endParaRPr lang="pt-BR"/>
+          </a:p>
+        </p:txBody>
+      </p:sp>
+      <p:sp>
+        <p:nvSpPr>
+          <p:cNvPr id="7" name="Espaço Reservado para Número de Slide 6"/>
           <p:cNvSpPr>
             <a:spLocks noGrp="1"/>
           </p:cNvSpPr>
@@ -2246,15 +2133,20 @@
           <a:bodyPr/>
           <a:lstStyle/>
           <a:p>
-            <a:fld id="{0C913308-F349-4B6D-A68A-DD1791B4A57B}" type="slidenum">
-              <a:rPr lang="zh-CN" altLang="en-US" smtClean="0"/>
-              <a:t>‹#›</a:t>
+            <a:fld id="{CD179989-2F28-4935-9FD0-F71FBA1F1C24}" type="slidenum">
+              <a:rPr lang="pt-BR" smtClean="0"/>
+              <a:t>‹nº›</a:t>
             </a:fld>
-            <a:endParaRPr lang="zh-CN" altLang="en-US"/>
+            <a:endParaRPr lang="pt-BR"/>
           </a:p>
         </p:txBody>
       </p:sp>
     </p:spTree>
+    <p:extLst>
+      <p:ext uri="{BB962C8B-B14F-4D97-AF65-F5344CB8AC3E}">
+        <p14:creationId xmlns:p14="http://schemas.microsoft.com/office/powerpoint/2010/main" val="2060458428"/>
+      </p:ext>
+    </p:extLst>
   </p:cSld>
   <p:clrMapOvr>
     <a:masterClrMapping/>
@@ -2264,7 +2156,7 @@
 
 <file path=ppt/slideLayouts/slideLayout9.xml><?xml version="1.0" encoding="utf-8"?>
 <p:sldLayout xmlns:a="http://schemas.openxmlformats.org/drawingml/2006/main" xmlns:r="http://schemas.openxmlformats.org/officeDocument/2006/relationships" xmlns:p="http://schemas.openxmlformats.org/presentationml/2006/main" type="picTx" preserve="1">
-  <p:cSld name="图片与标题">
+  <p:cSld name="Imagem com Legenda">
     <p:spTree>
       <p:nvGrpSpPr>
         <p:cNvPr id="1" name=""/>
@@ -2281,7 +2173,7 @@
       </p:grpSpPr>
       <p:sp>
         <p:nvSpPr>
-          <p:cNvPr id="2" name="标题 1"/>
+          <p:cNvPr id="2" name="Título 1"/>
           <p:cNvSpPr>
             <a:spLocks noGrp="1"/>
           </p:cNvSpPr>
@@ -2291,29 +2183,29 @@
         </p:nvSpPr>
         <p:spPr>
           <a:xfrm>
-            <a:off x="1792288" y="4800600"/>
-            <a:ext cx="5486400" cy="566738"/>
+            <a:off x="839788" y="457200"/>
+            <a:ext cx="3932237" cy="1600200"/>
           </a:xfrm>
         </p:spPr>
         <p:txBody>
           <a:bodyPr anchor="b"/>
           <a:lstStyle>
-            <a:lvl1pPr algn="l">
-              <a:defRPr sz="2000" b="1"/>
+            <a:lvl1pPr>
+              <a:defRPr sz="3200"/>
             </a:lvl1pPr>
           </a:lstStyle>
           <a:p>
             <a:r>
-              <a:rPr lang="zh-CN" altLang="en-US" smtClean="0"/>
-              <a:t>单击此处编辑母版标题样式</a:t>
-            </a:r>
-            <a:endParaRPr lang="zh-CN" altLang="en-US"/>
-          </a:p>
-        </p:txBody>
-      </p:sp>
-      <p:sp>
-        <p:nvSpPr>
-          <p:cNvPr id="3" name="图片占位符 2"/>
+              <a:rPr lang="pt-BR" smtClean="0"/>
+              <a:t>Clique para editar o título mestre</a:t>
+            </a:r>
+            <a:endParaRPr lang="pt-BR"/>
+          </a:p>
+        </p:txBody>
+      </p:sp>
+      <p:sp>
+        <p:nvSpPr>
+          <p:cNvPr id="3" name="Espaço Reservado para Imagem 2"/>
           <p:cNvSpPr>
             <a:spLocks noGrp="1"/>
           </p:cNvSpPr>
@@ -2323,8 +2215,8 @@
         </p:nvSpPr>
         <p:spPr>
           <a:xfrm>
-            <a:off x="1792288" y="612775"/>
-            <a:ext cx="5486400" cy="4114800"/>
+            <a:off x="5183188" y="987425"/>
+            <a:ext cx="6172200" cy="4873625"/>
           </a:xfrm>
         </p:spPr>
         <p:txBody>
@@ -2368,13 +2260,13 @@
             </a:lvl9pPr>
           </a:lstStyle>
           <a:p>
-            <a:endParaRPr lang="zh-CN" altLang="en-US"/>
-          </a:p>
-        </p:txBody>
-      </p:sp>
-      <p:sp>
-        <p:nvSpPr>
-          <p:cNvPr id="4" name="文本占位符 3"/>
+            <a:endParaRPr lang="pt-BR"/>
+          </a:p>
+        </p:txBody>
+      </p:sp>
+      <p:sp>
+        <p:nvSpPr>
+          <p:cNvPr id="4" name="Espaço Reservado para Texto 3"/>
           <p:cNvSpPr>
             <a:spLocks noGrp="1"/>
           </p:cNvSpPr>
@@ -2384,8 +2276,8 @@
         </p:nvSpPr>
         <p:spPr>
           <a:xfrm>
-            <a:off x="1792288" y="5367338"/>
-            <a:ext cx="5486400" cy="804862"/>
+            <a:off x="839788" y="2057400"/>
+            <a:ext cx="3932237" cy="3811588"/>
           </a:xfrm>
         </p:spPr>
         <p:txBody>
@@ -2393,53 +2285,53 @@
           <a:lstStyle>
             <a:lvl1pPr marL="0" indent="0">
               <a:buNone/>
-              <a:defRPr sz="1400"/>
+              <a:defRPr sz="1600"/>
             </a:lvl1pPr>
             <a:lvl2pPr marL="457200" indent="0">
               <a:buNone/>
-              <a:defRPr sz="1200"/>
+              <a:defRPr sz="1400"/>
             </a:lvl2pPr>
             <a:lvl3pPr marL="914400" indent="0">
               <a:buNone/>
-              <a:defRPr sz="1000"/>
+              <a:defRPr sz="1200"/>
             </a:lvl3pPr>
             <a:lvl4pPr marL="1371600" indent="0">
               <a:buNone/>
-              <a:defRPr sz="900"/>
+              <a:defRPr sz="1000"/>
             </a:lvl4pPr>
             <a:lvl5pPr marL="1828800" indent="0">
               <a:buNone/>
-              <a:defRPr sz="900"/>
+              <a:defRPr sz="1000"/>
             </a:lvl5pPr>
             <a:lvl6pPr marL="2286000" indent="0">
               <a:buNone/>
-              <a:defRPr sz="900"/>
+              <a:defRPr sz="1000"/>
             </a:lvl6pPr>
             <a:lvl7pPr marL="2743200" indent="0">
               <a:buNone/>
-              <a:defRPr sz="900"/>
+              <a:defRPr sz="1000"/>
             </a:lvl7pPr>
             <a:lvl8pPr marL="3200400" indent="0">
               <a:buNone/>
-              <a:defRPr sz="900"/>
+              <a:defRPr sz="1000"/>
             </a:lvl8pPr>
             <a:lvl9pPr marL="3657600" indent="0">
               <a:buNone/>
-              <a:defRPr sz="900"/>
+              <a:defRPr sz="1000"/>
             </a:lvl9pPr>
           </a:lstStyle>
           <a:p>
             <a:pPr lvl="0"/>
             <a:r>
-              <a:rPr lang="zh-CN" altLang="en-US" smtClean="0"/>
-              <a:t>单击此处编辑母版文本样式</a:t>
-            </a:r>
-          </a:p>
-        </p:txBody>
-      </p:sp>
-      <p:sp>
-        <p:nvSpPr>
-          <p:cNvPr id="5" name="日期占位符 4"/>
+              <a:rPr lang="pt-BR" smtClean="0"/>
+              <a:t>Editar estilos de texto Mestre</a:t>
+            </a:r>
+          </a:p>
+        </p:txBody>
+      </p:sp>
+      <p:sp>
+        <p:nvSpPr>
+          <p:cNvPr id="5" name="Espaço Reservado para Data 4"/>
           <p:cNvSpPr>
             <a:spLocks noGrp="1"/>
           </p:cNvSpPr>
@@ -2452,17 +2344,17 @@
           <a:bodyPr/>
           <a:lstStyle/>
           <a:p>
-            <a:fld id="{530820CF-B880-4189-942D-D702A7CBA730}" type="datetimeFigureOut">
-              <a:rPr lang="zh-CN" altLang="en-US" smtClean="0"/>
-              <a:t>2006-9-7</a:t>
+            <a:fld id="{F3A711B5-2115-45C1-8945-4CD8CCC3DB36}" type="datetimeFigureOut">
+              <a:rPr lang="pt-BR" smtClean="0"/>
+              <a:t>26/02/2016</a:t>
             </a:fld>
-            <a:endParaRPr lang="zh-CN" altLang="en-US"/>
-          </a:p>
-        </p:txBody>
-      </p:sp>
-      <p:sp>
-        <p:nvSpPr>
-          <p:cNvPr id="6" name="页脚占位符 5"/>
+            <a:endParaRPr lang="pt-BR"/>
+          </a:p>
+        </p:txBody>
+      </p:sp>
+      <p:sp>
+        <p:nvSpPr>
+          <p:cNvPr id="6" name="Espaço Reservado para Rodapé 5"/>
           <p:cNvSpPr>
             <a:spLocks noGrp="1"/>
           </p:cNvSpPr>
@@ -2475,13 +2367,13 @@
           <a:bodyPr/>
           <a:lstStyle/>
           <a:p>
-            <a:endParaRPr lang="zh-CN" altLang="en-US"/>
-          </a:p>
-        </p:txBody>
-      </p:sp>
-      <p:sp>
-        <p:nvSpPr>
-          <p:cNvPr id="7" name="灯片编号占位符 6"/>
+            <a:endParaRPr lang="pt-BR"/>
+          </a:p>
+        </p:txBody>
+      </p:sp>
+      <p:sp>
+        <p:nvSpPr>
+          <p:cNvPr id="7" name="Espaço Reservado para Número de Slide 6"/>
           <p:cNvSpPr>
             <a:spLocks noGrp="1"/>
           </p:cNvSpPr>
@@ -2494,15 +2386,20 @@
           <a:bodyPr/>
           <a:lstStyle/>
           <a:p>
-            <a:fld id="{0C913308-F349-4B6D-A68A-DD1791B4A57B}" type="slidenum">
-              <a:rPr lang="zh-CN" altLang="en-US" smtClean="0"/>
-              <a:t>‹#›</a:t>
+            <a:fld id="{CD179989-2F28-4935-9FD0-F71FBA1F1C24}" type="slidenum">
+              <a:rPr lang="pt-BR" smtClean="0"/>
+              <a:t>‹nº›</a:t>
             </a:fld>
-            <a:endParaRPr lang="zh-CN" altLang="en-US"/>
+            <a:endParaRPr lang="pt-BR"/>
           </a:p>
         </p:txBody>
       </p:sp>
     </p:spTree>
+    <p:extLst>
+      <p:ext uri="{BB962C8B-B14F-4D97-AF65-F5344CB8AC3E}">
+        <p14:creationId xmlns:p14="http://schemas.microsoft.com/office/powerpoint/2010/main" val="481599799"/>
+      </p:ext>
+    </p:extLst>
   </p:cSld>
   <p:clrMapOvr>
     <a:masterClrMapping/>
@@ -2534,7 +2431,7 @@
       </p:grpSpPr>
       <p:sp>
         <p:nvSpPr>
-          <p:cNvPr id="2" name="标题占位符 1"/>
+          <p:cNvPr id="2" name="Espaço Reservado para Título 1"/>
           <p:cNvSpPr>
             <a:spLocks noGrp="1"/>
           </p:cNvSpPr>
@@ -2544,8 +2441,8 @@
         </p:nvSpPr>
         <p:spPr>
           <a:xfrm>
-            <a:off x="457200" y="274638"/>
-            <a:ext cx="8229600" cy="1143000"/>
+            <a:off x="838200" y="365125"/>
+            <a:ext cx="10515600" cy="1325563"/>
           </a:xfrm>
           <a:prstGeom prst="rect">
             <a:avLst/>
@@ -2558,16 +2455,16 @@
           <a:lstStyle/>
           <a:p>
             <a:r>
-              <a:rPr lang="zh-CN" altLang="en-US" smtClean="0"/>
-              <a:t>单击此处编辑母版标题样式</a:t>
-            </a:r>
-            <a:endParaRPr lang="zh-CN" altLang="en-US"/>
-          </a:p>
-        </p:txBody>
-      </p:sp>
-      <p:sp>
-        <p:nvSpPr>
-          <p:cNvPr id="3" name="文本占位符 2"/>
+              <a:rPr lang="pt-BR" smtClean="0"/>
+              <a:t>Clique para editar o título mestre</a:t>
+            </a:r>
+            <a:endParaRPr lang="pt-BR"/>
+          </a:p>
+        </p:txBody>
+      </p:sp>
+      <p:sp>
+        <p:nvSpPr>
+          <p:cNvPr id="3" name="Espaço Reservado para Texto 2"/>
           <p:cNvSpPr>
             <a:spLocks noGrp="1"/>
           </p:cNvSpPr>
@@ -2577,8 +2474,8 @@
         </p:nvSpPr>
         <p:spPr>
           <a:xfrm>
-            <a:off x="457200" y="1600200"/>
-            <a:ext cx="8229600" cy="4525963"/>
+            <a:off x="838200" y="1825625"/>
+            <a:ext cx="10515600" cy="4351338"/>
           </a:xfrm>
           <a:prstGeom prst="rect">
             <a:avLst/>
@@ -2592,44 +2489,44 @@
           <a:p>
             <a:pPr lvl="0"/>
             <a:r>
-              <a:rPr lang="zh-CN" altLang="en-US" smtClean="0"/>
-              <a:t>单击此处编辑母版文本样式</a:t>
+              <a:rPr lang="pt-BR" smtClean="0"/>
+              <a:t>Editar estilos de texto Mestre</a:t>
             </a:r>
           </a:p>
           <a:p>
             <a:pPr lvl="1"/>
             <a:r>
-              <a:rPr lang="zh-CN" altLang="en-US" smtClean="0"/>
-              <a:t>第二级</a:t>
+              <a:rPr lang="pt-BR" smtClean="0"/>
+              <a:t>Segundo nível</a:t>
             </a:r>
           </a:p>
           <a:p>
             <a:pPr lvl="2"/>
             <a:r>
-              <a:rPr lang="zh-CN" altLang="en-US" smtClean="0"/>
-              <a:t>第三级</a:t>
+              <a:rPr lang="pt-BR" smtClean="0"/>
+              <a:t>Terceiro nível</a:t>
             </a:r>
           </a:p>
           <a:p>
             <a:pPr lvl="3"/>
             <a:r>
-              <a:rPr lang="zh-CN" altLang="en-US" smtClean="0"/>
-              <a:t>第四级</a:t>
+              <a:rPr lang="pt-BR" smtClean="0"/>
+              <a:t>Quarto nível</a:t>
             </a:r>
           </a:p>
           <a:p>
             <a:pPr lvl="4"/>
             <a:r>
-              <a:rPr lang="zh-CN" altLang="en-US" smtClean="0"/>
-              <a:t>第五级</a:t>
-            </a:r>
-            <a:endParaRPr lang="zh-CN" altLang="en-US"/>
-          </a:p>
-        </p:txBody>
-      </p:sp>
-      <p:sp>
-        <p:nvSpPr>
-          <p:cNvPr id="4" name="日期占位符 3"/>
+              <a:rPr lang="pt-BR" smtClean="0"/>
+              <a:t>Quinto nível</a:t>
+            </a:r>
+            <a:endParaRPr lang="pt-BR"/>
+          </a:p>
+        </p:txBody>
+      </p:sp>
+      <p:sp>
+        <p:nvSpPr>
+          <p:cNvPr id="4" name="Espaço Reservado para Data 3"/>
           <p:cNvSpPr>
             <a:spLocks noGrp="1"/>
           </p:cNvSpPr>
@@ -2639,8 +2536,8 @@
         </p:nvSpPr>
         <p:spPr>
           <a:xfrm>
-            <a:off x="457200" y="6356350"/>
-            <a:ext cx="2133600" cy="365125"/>
+            <a:off x="838200" y="6356350"/>
+            <a:ext cx="2743200" cy="365125"/>
           </a:xfrm>
           <a:prstGeom prst="rect">
             <a:avLst/>
@@ -2660,17 +2557,17 @@
             </a:lvl1pPr>
           </a:lstStyle>
           <a:p>
-            <a:fld id="{530820CF-B880-4189-942D-D702A7CBA730}" type="datetimeFigureOut">
-              <a:rPr lang="zh-CN" altLang="en-US" smtClean="0"/>
-              <a:t>2006-9-7</a:t>
+            <a:fld id="{F3A711B5-2115-45C1-8945-4CD8CCC3DB36}" type="datetimeFigureOut">
+              <a:rPr lang="pt-BR" smtClean="0"/>
+              <a:t>26/02/2016</a:t>
             </a:fld>
-            <a:endParaRPr lang="zh-CN" altLang="en-US"/>
-          </a:p>
-        </p:txBody>
-      </p:sp>
-      <p:sp>
-        <p:nvSpPr>
-          <p:cNvPr id="5" name="页脚占位符 4"/>
+            <a:endParaRPr lang="pt-BR"/>
+          </a:p>
+        </p:txBody>
+      </p:sp>
+      <p:sp>
+        <p:nvSpPr>
+          <p:cNvPr id="5" name="Espaço Reservado para Rodapé 4"/>
           <p:cNvSpPr>
             <a:spLocks noGrp="1"/>
           </p:cNvSpPr>
@@ -2680,8 +2577,8 @@
         </p:nvSpPr>
         <p:spPr>
           <a:xfrm>
-            <a:off x="3124200" y="6356350"/>
-            <a:ext cx="2895600" cy="365125"/>
+            <a:off x="4038600" y="6356350"/>
+            <a:ext cx="4114800" cy="365125"/>
           </a:xfrm>
           <a:prstGeom prst="rect">
             <a:avLst/>
@@ -2701,13 +2598,13 @@
             </a:lvl1pPr>
           </a:lstStyle>
           <a:p>
-            <a:endParaRPr lang="zh-CN" altLang="en-US"/>
-          </a:p>
-        </p:txBody>
-      </p:sp>
-      <p:sp>
-        <p:nvSpPr>
-          <p:cNvPr id="6" name="灯片编号占位符 5"/>
+            <a:endParaRPr lang="pt-BR"/>
+          </a:p>
+        </p:txBody>
+      </p:sp>
+      <p:sp>
+        <p:nvSpPr>
+          <p:cNvPr id="6" name="Espaço Reservado para Número de Slide 5"/>
           <p:cNvSpPr>
             <a:spLocks noGrp="1"/>
           </p:cNvSpPr>
@@ -2717,8 +2614,8 @@
         </p:nvSpPr>
         <p:spPr>
           <a:xfrm>
-            <a:off x="6553200" y="6356350"/>
-            <a:ext cx="2133600" cy="365125"/>
+            <a:off x="8610600" y="6356350"/>
+            <a:ext cx="2743200" cy="365125"/>
           </a:xfrm>
           <a:prstGeom prst="rect">
             <a:avLst/>
@@ -2738,15 +2635,20 @@
             </a:lvl1pPr>
           </a:lstStyle>
           <a:p>
-            <a:fld id="{0C913308-F349-4B6D-A68A-DD1791B4A57B}" type="slidenum">
-              <a:rPr lang="zh-CN" altLang="en-US" smtClean="0"/>
-              <a:t>‹#›</a:t>
+            <a:fld id="{CD179989-2F28-4935-9FD0-F71FBA1F1C24}" type="slidenum">
+              <a:rPr lang="pt-BR" smtClean="0"/>
+              <a:t>‹nº›</a:t>
             </a:fld>
-            <a:endParaRPr lang="zh-CN" altLang="en-US"/>
+            <a:endParaRPr lang="pt-BR"/>
           </a:p>
         </p:txBody>
       </p:sp>
     </p:spTree>
+    <p:extLst>
+      <p:ext uri="{BB962C8B-B14F-4D97-AF65-F5344CB8AC3E}">
+        <p14:creationId xmlns:p14="http://schemas.microsoft.com/office/powerpoint/2010/main" val="1951771534"/>
+      </p:ext>
+    </p:extLst>
   </p:cSld>
   <p:clrMap bg1="lt1" tx1="dk1" bg2="lt2" tx2="dk2" accent1="accent1" accent2="accent2" accent3="accent3" accent4="accent4" accent5="accent5" accent6="accent6" hlink="hlink" folHlink="folHlink"/>
   <p:sldLayoutIdLst>
@@ -2764,7 +2666,10 @@
   </p:sldLayoutIdLst>
   <p:txStyles>
     <p:titleStyle>
-      <a:lvl1pPr algn="ctr" defTabSz="914400" rtl="0" eaLnBrk="1" latinLnBrk="0" hangingPunct="1">
+      <a:lvl1pPr algn="l" defTabSz="914400" rtl="0" eaLnBrk="1" latinLnBrk="0" hangingPunct="1">
+        <a:lnSpc>
+          <a:spcPct val="90000"/>
+        </a:lnSpc>
         <a:spcBef>
           <a:spcPct val="0"/>
         </a:spcBef>
@@ -2780,13 +2685,16 @@
       </a:lvl1pPr>
     </p:titleStyle>
     <p:bodyStyle>
-      <a:lvl1pPr marL="342900" indent="-342900" algn="l" defTabSz="914400" rtl="0" eaLnBrk="1" latinLnBrk="0" hangingPunct="1">
+      <a:lvl1pPr marL="228600" indent="-228600" algn="l" defTabSz="914400" rtl="0" eaLnBrk="1" latinLnBrk="0" hangingPunct="1">
+        <a:lnSpc>
+          <a:spcPct val="90000"/>
+        </a:lnSpc>
         <a:spcBef>
-          <a:spcPct val="20000"/>
+          <a:spcPts val="1000"/>
         </a:spcBef>
-        <a:buFont typeface="Arial" pitchFamily="34" charset="0"/>
+        <a:buFont typeface="Arial" panose="020B0604020202020204" pitchFamily="34" charset="0"/>
         <a:buChar char="•"/>
-        <a:defRPr sz="3200" kern="1200">
+        <a:defRPr sz="2800" kern="1200">
           <a:solidFill>
             <a:schemeClr val="tx1"/>
           </a:solidFill>
@@ -2795,13 +2703,16 @@
           <a:cs typeface="+mn-cs"/>
         </a:defRPr>
       </a:lvl1pPr>
-      <a:lvl2pPr marL="742950" indent="-285750" algn="l" defTabSz="914400" rtl="0" eaLnBrk="1" latinLnBrk="0" hangingPunct="1">
+      <a:lvl2pPr marL="685800" indent="-228600" algn="l" defTabSz="914400" rtl="0" eaLnBrk="1" latinLnBrk="0" hangingPunct="1">
+        <a:lnSpc>
+          <a:spcPct val="90000"/>
+        </a:lnSpc>
         <a:spcBef>
-          <a:spcPct val="20000"/>
+          <a:spcPts val="500"/>
         </a:spcBef>
-        <a:buFont typeface="Arial" pitchFamily="34" charset="0"/>
-        <a:buChar char="–"/>
-        <a:defRPr sz="2800" kern="1200">
+        <a:buFont typeface="Arial" panose="020B0604020202020204" pitchFamily="34" charset="0"/>
+        <a:buChar char="•"/>
+        <a:defRPr sz="2400" kern="1200">
           <a:solidFill>
             <a:schemeClr val="tx1"/>
           </a:solidFill>
@@ -2811,12 +2722,15 @@
         </a:defRPr>
       </a:lvl2pPr>
       <a:lvl3pPr marL="1143000" indent="-228600" algn="l" defTabSz="914400" rtl="0" eaLnBrk="1" latinLnBrk="0" hangingPunct="1">
+        <a:lnSpc>
+          <a:spcPct val="90000"/>
+        </a:lnSpc>
         <a:spcBef>
-          <a:spcPct val="20000"/>
+          <a:spcPts val="500"/>
         </a:spcBef>
-        <a:buFont typeface="Arial" pitchFamily="34" charset="0"/>
+        <a:buFont typeface="Arial" panose="020B0604020202020204" pitchFamily="34" charset="0"/>
         <a:buChar char="•"/>
-        <a:defRPr sz="2400" kern="1200">
+        <a:defRPr sz="2000" kern="1200">
           <a:solidFill>
             <a:schemeClr val="tx1"/>
           </a:solidFill>
@@ -2826,12 +2740,15 @@
         </a:defRPr>
       </a:lvl3pPr>
       <a:lvl4pPr marL="1600200" indent="-228600" algn="l" defTabSz="914400" rtl="0" eaLnBrk="1" latinLnBrk="0" hangingPunct="1">
+        <a:lnSpc>
+          <a:spcPct val="90000"/>
+        </a:lnSpc>
         <a:spcBef>
-          <a:spcPct val="20000"/>
+          <a:spcPts val="500"/>
         </a:spcBef>
-        <a:buFont typeface="Arial" pitchFamily="34" charset="0"/>
-        <a:buChar char="–"/>
-        <a:defRPr sz="2000" kern="1200">
+        <a:buFont typeface="Arial" panose="020B0604020202020204" pitchFamily="34" charset="0"/>
+        <a:buChar char="•"/>
+        <a:defRPr sz="1800" kern="1200">
           <a:solidFill>
             <a:schemeClr val="tx1"/>
           </a:solidFill>
@@ -2841,12 +2758,15 @@
         </a:defRPr>
       </a:lvl4pPr>
       <a:lvl5pPr marL="2057400" indent="-228600" algn="l" defTabSz="914400" rtl="0" eaLnBrk="1" latinLnBrk="0" hangingPunct="1">
+        <a:lnSpc>
+          <a:spcPct val="90000"/>
+        </a:lnSpc>
         <a:spcBef>
-          <a:spcPct val="20000"/>
+          <a:spcPts val="500"/>
         </a:spcBef>
-        <a:buFont typeface="Arial" pitchFamily="34" charset="0"/>
-        <a:buChar char="»"/>
-        <a:defRPr sz="2000" kern="1200">
+        <a:buFont typeface="Arial" panose="020B0604020202020204" pitchFamily="34" charset="0"/>
+        <a:buChar char="•"/>
+        <a:defRPr sz="1800" kern="1200">
           <a:solidFill>
             <a:schemeClr val="tx1"/>
           </a:solidFill>
@@ -2856,12 +2776,15 @@
         </a:defRPr>
       </a:lvl5pPr>
       <a:lvl6pPr marL="2514600" indent="-228600" algn="l" defTabSz="914400" rtl="0" eaLnBrk="1" latinLnBrk="0" hangingPunct="1">
+        <a:lnSpc>
+          <a:spcPct val="90000"/>
+        </a:lnSpc>
         <a:spcBef>
-          <a:spcPct val="20000"/>
+          <a:spcPts val="500"/>
         </a:spcBef>
-        <a:buFont typeface="Arial" pitchFamily="34" charset="0"/>
+        <a:buFont typeface="Arial" panose="020B0604020202020204" pitchFamily="34" charset="0"/>
         <a:buChar char="•"/>
-        <a:defRPr sz="2000" kern="1200">
+        <a:defRPr sz="1800" kern="1200">
           <a:solidFill>
             <a:schemeClr val="tx1"/>
           </a:solidFill>
@@ -2871,12 +2794,15 @@
         </a:defRPr>
       </a:lvl6pPr>
       <a:lvl7pPr marL="2971800" indent="-228600" algn="l" defTabSz="914400" rtl="0" eaLnBrk="1" latinLnBrk="0" hangingPunct="1">
+        <a:lnSpc>
+          <a:spcPct val="90000"/>
+        </a:lnSpc>
         <a:spcBef>
-          <a:spcPct val="20000"/>
+          <a:spcPts val="500"/>
         </a:spcBef>
-        <a:buFont typeface="Arial" pitchFamily="34" charset="0"/>
+        <a:buFont typeface="Arial" panose="020B0604020202020204" pitchFamily="34" charset="0"/>
         <a:buChar char="•"/>
-        <a:defRPr sz="2000" kern="1200">
+        <a:defRPr sz="1800" kern="1200">
           <a:solidFill>
             <a:schemeClr val="tx1"/>
           </a:solidFill>
@@ -2886,12 +2812,15 @@
         </a:defRPr>
       </a:lvl7pPr>
       <a:lvl8pPr marL="3429000" indent="-228600" algn="l" defTabSz="914400" rtl="0" eaLnBrk="1" latinLnBrk="0" hangingPunct="1">
+        <a:lnSpc>
+          <a:spcPct val="90000"/>
+        </a:lnSpc>
         <a:spcBef>
-          <a:spcPct val="20000"/>
+          <a:spcPts val="500"/>
         </a:spcBef>
-        <a:buFont typeface="Arial" pitchFamily="34" charset="0"/>
+        <a:buFont typeface="Arial" panose="020B0604020202020204" pitchFamily="34" charset="0"/>
         <a:buChar char="•"/>
-        <a:defRPr sz="2000" kern="1200">
+        <a:defRPr sz="1800" kern="1200">
           <a:solidFill>
             <a:schemeClr val="tx1"/>
           </a:solidFill>
@@ -2901,12 +2830,15 @@
         </a:defRPr>
       </a:lvl8pPr>
       <a:lvl9pPr marL="3886200" indent="-228600" algn="l" defTabSz="914400" rtl="0" eaLnBrk="1" latinLnBrk="0" hangingPunct="1">
+        <a:lnSpc>
+          <a:spcPct val="90000"/>
+        </a:lnSpc>
         <a:spcBef>
-          <a:spcPct val="20000"/>
+          <a:spcPts val="500"/>
         </a:spcBef>
-        <a:buFont typeface="Arial" pitchFamily="34" charset="0"/>
+        <a:buFont typeface="Arial" panose="020B0604020202020204" pitchFamily="34" charset="0"/>
         <a:buChar char="•"/>
-        <a:defRPr sz="2000" kern="1200">
+        <a:defRPr sz="1800" kern="1200">
           <a:solidFill>
             <a:schemeClr val="tx1"/>
           </a:solidFill>
@@ -2918,7 +2850,7 @@
     </p:bodyStyle>
     <p:otherStyle>
       <a:defPPr>
-        <a:defRPr lang="zh-CN"/>
+        <a:defRPr lang="pt-BR"/>
       </a:defPPr>
       <a:lvl1pPr marL="0" algn="l" defTabSz="914400" rtl="0" eaLnBrk="1" latinLnBrk="0" hangingPunct="1">
         <a:defRPr sz="1800" kern="1200">
@@ -3015,8 +2947,76 @@
 </p:sldMaster>
 </file>
 
+<file path=ppt/slides/slide1.xml><?xml version="1.0" encoding="utf-8"?>
+<p:sld xmlns:a="http://schemas.openxmlformats.org/drawingml/2006/main" xmlns:r="http://schemas.openxmlformats.org/officeDocument/2006/relationships" xmlns:p="http://schemas.openxmlformats.org/presentationml/2006/main">
+  <p:cSld>
+    <p:spTree>
+      <p:nvGrpSpPr>
+        <p:cNvPr id="1" name=""/>
+        <p:cNvGrpSpPr/>
+        <p:nvPr/>
+      </p:nvGrpSpPr>
+      <p:grpSpPr>
+        <a:xfrm>
+          <a:off x="0" y="0"/>
+          <a:ext cx="0" cy="0"/>
+          <a:chOff x="0" y="0"/>
+          <a:chExt cx="0" cy="0"/>
+        </a:xfrm>
+      </p:grpSpPr>
+      <p:sp>
+        <p:nvSpPr>
+          <p:cNvPr id="2" name="Título 1"/>
+          <p:cNvSpPr>
+            <a:spLocks noGrp="1"/>
+          </p:cNvSpPr>
+          <p:nvPr>
+            <p:ph type="ctrTitle"/>
+          </p:nvPr>
+        </p:nvSpPr>
+        <p:spPr/>
+        <p:txBody>
+          <a:bodyPr/>
+          <a:lstStyle/>
+          <a:p>
+            <a:endParaRPr lang="pt-BR"/>
+          </a:p>
+        </p:txBody>
+      </p:sp>
+      <p:sp>
+        <p:nvSpPr>
+          <p:cNvPr id="3" name="Subtítulo 2"/>
+          <p:cNvSpPr>
+            <a:spLocks noGrp="1"/>
+          </p:cNvSpPr>
+          <p:nvPr>
+            <p:ph type="subTitle" idx="1"/>
+          </p:nvPr>
+        </p:nvSpPr>
+        <p:spPr/>
+        <p:txBody>
+          <a:bodyPr/>
+          <a:lstStyle/>
+          <a:p>
+            <a:endParaRPr lang="pt-BR"/>
+          </a:p>
+        </p:txBody>
+      </p:sp>
+    </p:spTree>
+    <p:extLst>
+      <p:ext uri="{BB962C8B-B14F-4D97-AF65-F5344CB8AC3E}">
+        <p14:creationId xmlns:p14="http://schemas.microsoft.com/office/powerpoint/2010/main" val="2849446432"/>
+      </p:ext>
+    </p:extLst>
+  </p:cSld>
+  <p:clrMapOvr>
+    <a:masterClrMapping/>
+  </p:clrMapOvr>
+</p:sld>
+</file>
+
 <file path=ppt/theme/theme1.xml><?xml version="1.0" encoding="utf-8"?>
-<a:theme xmlns:a="http://schemas.openxmlformats.org/drawingml/2006/main" name="Office 主题">
+<a:theme xmlns:a="http://schemas.openxmlformats.org/drawingml/2006/main" name="Tema do Office">
   <a:themeElements>
     <a:clrScheme name="Office">
       <a:dk1>
@@ -3026,44 +3026,44 @@
         <a:sysClr val="window" lastClr="FFFFFF"/>
       </a:lt1>
       <a:dk2>
-        <a:srgbClr val="1F497D"/>
+        <a:srgbClr val="44546A"/>
       </a:dk2>
       <a:lt2>
-        <a:srgbClr val="EEECE1"/>
+        <a:srgbClr val="E7E6E6"/>
       </a:lt2>
       <a:accent1>
-        <a:srgbClr val="4F81BD"/>
+        <a:srgbClr val="5B9BD5"/>
       </a:accent1>
       <a:accent2>
-        <a:srgbClr val="C0504D"/>
+        <a:srgbClr val="ED7D31"/>
       </a:accent2>
       <a:accent3>
-        <a:srgbClr val="9BBB59"/>
+        <a:srgbClr val="A5A5A5"/>
       </a:accent3>
       <a:accent4>
-        <a:srgbClr val="8064A2"/>
+        <a:srgbClr val="FFC000"/>
       </a:accent4>
       <a:accent5>
-        <a:srgbClr val="4BACC6"/>
+        <a:srgbClr val="4472C4"/>
       </a:accent5>
       <a:accent6>
-        <a:srgbClr val="F79646"/>
+        <a:srgbClr val="70AD47"/>
       </a:accent6>
       <a:hlink>
-        <a:srgbClr val="0000FF"/>
+        <a:srgbClr val="0563C1"/>
       </a:hlink>
       <a:folHlink>
-        <a:srgbClr val="800080"/>
+        <a:srgbClr val="954F72"/>
       </a:folHlink>
     </a:clrScheme>
     <a:fontScheme name="Office">
       <a:majorFont>
-        <a:latin typeface="Calibri"/>
+        <a:latin typeface="Calibri Light" panose="020F0302020204030204"/>
         <a:ea typeface=""/>
         <a:cs typeface=""/>
-        <a:font script="Jpan" typeface="ＭＳ Ｐゴシック"/>
+        <a:font script="Jpan" typeface="游ゴシック Light"/>
         <a:font script="Hang" typeface="맑은 고딕"/>
-        <a:font script="Hans" typeface="宋体"/>
+        <a:font script="Hans" typeface="等线 Light"/>
         <a:font script="Hant" typeface="新細明體"/>
         <a:font script="Arab" typeface="Times New Roman"/>
         <a:font script="Hebr" typeface="Times New Roman"/>
@@ -3090,14 +3090,15 @@
         <a:font script="Mong" typeface="Mongolian Baiti"/>
         <a:font script="Viet" typeface="Times New Roman"/>
         <a:font script="Uigh" typeface="Microsoft Uighur"/>
+        <a:font script="Geor" typeface="Sylfaen"/>
       </a:majorFont>
       <a:minorFont>
-        <a:latin typeface="Calibri"/>
+        <a:latin typeface="Calibri" panose="020F0502020204030204"/>
         <a:ea typeface=""/>
         <a:cs typeface=""/>
-        <a:font script="Jpan" typeface="ＭＳ Ｐゴシック"/>
+        <a:font script="Jpan" typeface="游ゴシック"/>
         <a:font script="Hang" typeface="맑은 고딕"/>
-        <a:font script="Hans" typeface="宋体"/>
+        <a:font script="Hans" typeface="等线"/>
         <a:font script="Hant" typeface="新細明體"/>
         <a:font script="Arab" typeface="Arial"/>
         <a:font script="Hebr" typeface="Arial"/>
@@ -3124,6 +3125,7 @@
         <a:font script="Mong" typeface="Mongolian Baiti"/>
         <a:font script="Viet" typeface="Arial"/>
         <a:font script="Uigh" typeface="Microsoft Uighur"/>
+        <a:font script="Geor" typeface="Sylfaen"/>
       </a:minorFont>
     </a:fontScheme>
     <a:fmtScheme name="Office">
@@ -3135,165 +3137,141 @@
           <a:gsLst>
             <a:gs pos="0">
               <a:schemeClr val="phClr">
-                <a:tint val="50000"/>
-                <a:satMod val="300000"/>
+                <a:lumMod val="110000"/>
+                <a:satMod val="105000"/>
+                <a:tint val="67000"/>
               </a:schemeClr>
             </a:gs>
-            <a:gs pos="35000">
+            <a:gs pos="50000">
               <a:schemeClr val="phClr">
-                <a:tint val="37000"/>
-                <a:satMod val="300000"/>
+                <a:lumMod val="105000"/>
+                <a:satMod val="103000"/>
+                <a:tint val="73000"/>
               </a:schemeClr>
             </a:gs>
             <a:gs pos="100000">
               <a:schemeClr val="phClr">
-                <a:tint val="15000"/>
-                <a:satMod val="350000"/>
+                <a:lumMod val="105000"/>
+                <a:satMod val="109000"/>
+                <a:tint val="81000"/>
               </a:schemeClr>
             </a:gs>
           </a:gsLst>
-          <a:lin ang="16200000" scaled="1"/>
+          <a:lin ang="5400000" scaled="0"/>
         </a:gradFill>
         <a:gradFill rotWithShape="1">
           <a:gsLst>
             <a:gs pos="0">
               <a:schemeClr val="phClr">
-                <a:shade val="51000"/>
-                <a:satMod val="130000"/>
+                <a:satMod val="103000"/>
+                <a:lumMod val="102000"/>
+                <a:tint val="94000"/>
               </a:schemeClr>
             </a:gs>
-            <a:gs pos="80000">
+            <a:gs pos="50000">
               <a:schemeClr val="phClr">
-                <a:shade val="93000"/>
-                <a:satMod val="130000"/>
+                <a:satMod val="110000"/>
+                <a:lumMod val="100000"/>
+                <a:shade val="100000"/>
               </a:schemeClr>
             </a:gs>
             <a:gs pos="100000">
               <a:schemeClr val="phClr">
-                <a:shade val="94000"/>
-                <a:satMod val="135000"/>
+                <a:lumMod val="99000"/>
+                <a:satMod val="120000"/>
+                <a:shade val="78000"/>
               </a:schemeClr>
             </a:gs>
           </a:gsLst>
-          <a:lin ang="16200000" scaled="0"/>
+          <a:lin ang="5400000" scaled="0"/>
         </a:gradFill>
       </a:fillStyleLst>
       <a:lnStyleLst>
-        <a:ln w="9525" cap="flat" cmpd="sng" algn="ctr">
-          <a:solidFill>
-            <a:schemeClr val="phClr">
-              <a:shade val="95000"/>
-              <a:satMod val="105000"/>
-            </a:schemeClr>
-          </a:solidFill>
-          <a:prstDash val="solid"/>
-        </a:ln>
-        <a:ln w="25400" cap="flat" cmpd="sng" algn="ctr">
+        <a:ln w="6350" cap="flat" cmpd="sng" algn="ctr">
           <a:solidFill>
             <a:schemeClr val="phClr"/>
           </a:solidFill>
           <a:prstDash val="solid"/>
+          <a:miter lim="800000"/>
         </a:ln>
-        <a:ln w="38100" cap="flat" cmpd="sng" algn="ctr">
+        <a:ln w="12700" cap="flat" cmpd="sng" algn="ctr">
           <a:solidFill>
             <a:schemeClr val="phClr"/>
           </a:solidFill>
           <a:prstDash val="solid"/>
+          <a:miter lim="800000"/>
+        </a:ln>
+        <a:ln w="19050" cap="flat" cmpd="sng" algn="ctr">
+          <a:solidFill>
+            <a:schemeClr val="phClr"/>
+          </a:solidFill>
+          <a:prstDash val="solid"/>
+          <a:miter lim="800000"/>
         </a:ln>
       </a:lnStyleLst>
       <a:effectStyleLst>
         <a:effectStyle>
+          <a:effectLst/>
+        </a:effectStyle>
+        <a:effectStyle>
+          <a:effectLst/>
+        </a:effectStyle>
+        <a:effectStyle>
           <a:effectLst>
-            <a:outerShdw blurRad="40000" dist="20000" dir="5400000" rotWithShape="0">
+            <a:outerShdw blurRad="57150" dist="19050" dir="5400000" algn="ctr" rotWithShape="0">
               <a:srgbClr val="000000">
-                <a:alpha val="38000"/>
+                <a:alpha val="63000"/>
               </a:srgbClr>
             </a:outerShdw>
           </a:effectLst>
-        </a:effectStyle>
-        <a:effectStyle>
-          <a:effectLst>
-            <a:outerShdw blurRad="40000" dist="23000" dir="5400000" rotWithShape="0">
-              <a:srgbClr val="000000">
-                <a:alpha val="35000"/>
-              </a:srgbClr>
-            </a:outerShdw>
-          </a:effectLst>
-        </a:effectStyle>
-        <a:effectStyle>
-          <a:effectLst>
-            <a:outerShdw blurRad="40000" dist="23000" dir="5400000" rotWithShape="0">
-              <a:srgbClr val="000000">
-                <a:alpha val="35000"/>
-              </a:srgbClr>
-            </a:outerShdw>
-          </a:effectLst>
-          <a:scene3d>
-            <a:camera prst="orthographicFront">
-              <a:rot lat="0" lon="0" rev="0"/>
-            </a:camera>
-            <a:lightRig rig="threePt" dir="t">
-              <a:rot lat="0" lon="0" rev="1200000"/>
-            </a:lightRig>
-          </a:scene3d>
-          <a:sp3d>
-            <a:bevelT w="63500" h="25400"/>
-          </a:sp3d>
         </a:effectStyle>
       </a:effectStyleLst>
       <a:bgFillStyleLst>
         <a:solidFill>
           <a:schemeClr val="phClr"/>
         </a:solidFill>
+        <a:solidFill>
+          <a:schemeClr val="phClr">
+            <a:tint val="95000"/>
+            <a:satMod val="170000"/>
+          </a:schemeClr>
+        </a:solidFill>
         <a:gradFill rotWithShape="1">
           <a:gsLst>
             <a:gs pos="0">
               <a:schemeClr val="phClr">
-                <a:tint val="40000"/>
-                <a:satMod val="350000"/>
+                <a:tint val="93000"/>
+                <a:satMod val="150000"/>
+                <a:shade val="98000"/>
+                <a:lumMod val="102000"/>
               </a:schemeClr>
             </a:gs>
-            <a:gs pos="40000">
+            <a:gs pos="50000">
               <a:schemeClr val="phClr">
-                <a:tint val="45000"/>
-                <a:shade val="99000"/>
-                <a:satMod val="350000"/>
+                <a:tint val="98000"/>
+                <a:satMod val="130000"/>
+                <a:shade val="90000"/>
+                <a:lumMod val="103000"/>
               </a:schemeClr>
             </a:gs>
             <a:gs pos="100000">
               <a:schemeClr val="phClr">
-                <a:shade val="20000"/>
-                <a:satMod val="255000"/>
+                <a:shade val="63000"/>
+                <a:satMod val="120000"/>
               </a:schemeClr>
             </a:gs>
           </a:gsLst>
-          <a:path path="circle">
-            <a:fillToRect l="50000" t="-80000" r="50000" b="180000"/>
-          </a:path>
-        </a:gradFill>
-        <a:gradFill rotWithShape="1">
-          <a:gsLst>
-            <a:gs pos="0">
-              <a:schemeClr val="phClr">
-                <a:tint val="80000"/>
-                <a:satMod val="300000"/>
-              </a:schemeClr>
-            </a:gs>
-            <a:gs pos="100000">
-              <a:schemeClr val="phClr">
-                <a:shade val="30000"/>
-                <a:satMod val="200000"/>
-              </a:schemeClr>
-            </a:gs>
-          </a:gsLst>
-          <a:path path="circle">
-            <a:fillToRect l="50000" t="50000" r="50000" b="50000"/>
-          </a:path>
+          <a:lin ang="5400000" scaled="0"/>
         </a:gradFill>
       </a:bgFillStyleLst>
     </a:fmtScheme>
   </a:themeElements>
   <a:objectDefaults/>
   <a:extraClrSchemeLst/>
+  <a:extLst>
+    <a:ext uri="{05A4C25C-085E-4340-85A3-A5531E510DB2}">
+      <thm15:themeFamily xmlns:thm15="http://schemas.microsoft.com/office/thememl/2012/main" name="Office Theme" id="{62F939B6-93AF-4DB8-9C6B-D6C7DFDC589F}" vid="{4A3C46E8-61CC-4603-A589-7422A47A8E4A}"/>
+    </a:ext>
+  </a:extLst>
 </a:theme>
 </file>